--- a/2025/2025-06-13-AI-Updates.pptx
+++ b/2025/2025-06-13-AI-Updates.pptx
@@ -1101,7 +1101,7 @@
   <p:cSld>
     <p:spTree>
       <p:nvGrpSpPr>
-        <p:cNvPr id="1" name="Shape 203"/>
+        <p:cNvPr id="1" name="Shape 206"/>
         <p:cNvGrpSpPr/>
         <p:nvPr/>
       </p:nvGrpSpPr>
@@ -1115,7 +1115,7 @@
       </p:grpSpPr>
       <p:sp>
         <p:nvSpPr>
-          <p:cNvPr id="204" name="Google Shape;204;g3621e16fdfb_1_5:notes"/>
+          <p:cNvPr id="207" name="Google Shape;207;g3621e16fdfb_1_5:notes"/>
           <p:cNvSpPr>
             <a:spLocks noGrp="1" noRot="1" noChangeAspect="1"/>
           </p:cNvSpPr>
@@ -1166,7 +1166,7 @@
       </p:sp>
       <p:sp>
         <p:nvSpPr>
-          <p:cNvPr id="205" name="Google Shape;205;g3621e16fdfb_1_5:notes"/>
+          <p:cNvPr id="208" name="Google Shape;208;g3621e16fdfb_1_5:notes"/>
           <p:cNvSpPr txBox="1">
             <a:spLocks noGrp="1"/>
           </p:cNvSpPr>
@@ -1223,7 +1223,7 @@
   <p:cSld>
     <p:spTree>
       <p:nvGrpSpPr>
-        <p:cNvPr id="1" name="Shape 210"/>
+        <p:cNvPr id="1" name="Shape 214"/>
         <p:cNvGrpSpPr/>
         <p:nvPr/>
       </p:nvGrpSpPr>
@@ -1237,7 +1237,7 @@
       </p:grpSpPr>
       <p:sp>
         <p:nvSpPr>
-          <p:cNvPr id="211" name="Google Shape;211;g336ba8a871e_0_0:notes"/>
+          <p:cNvPr id="215" name="Google Shape;215;g336ba8a871e_0_0:notes"/>
           <p:cNvSpPr>
             <a:spLocks noGrp="1" noRot="1" noChangeAspect="1"/>
           </p:cNvSpPr>
@@ -1288,7 +1288,7 @@
       </p:sp>
       <p:sp>
         <p:nvSpPr>
-          <p:cNvPr id="212" name="Google Shape;212;g336ba8a871e_0_0:notes"/>
+          <p:cNvPr id="216" name="Google Shape;216;g336ba8a871e_0_0:notes"/>
           <p:cNvSpPr txBox="1">
             <a:spLocks noGrp="1"/>
           </p:cNvSpPr>
@@ -1345,7 +1345,7 @@
   <p:cSld>
     <p:spTree>
       <p:nvGrpSpPr>
-        <p:cNvPr id="1" name="Shape 218"/>
+        <p:cNvPr id="1" name="Shape 222"/>
         <p:cNvGrpSpPr/>
         <p:nvPr/>
       </p:nvGrpSpPr>
@@ -1359,7 +1359,7 @@
       </p:grpSpPr>
       <p:sp>
         <p:nvSpPr>
-          <p:cNvPr id="219" name="Google Shape;219;g336b2a33a23_0_0:notes"/>
+          <p:cNvPr id="223" name="Google Shape;223;g336b2a33a23_0_0:notes"/>
           <p:cNvSpPr>
             <a:spLocks noGrp="1" noRot="1" noChangeAspect="1"/>
           </p:cNvSpPr>
@@ -1410,7 +1410,7 @@
       </p:sp>
       <p:sp>
         <p:nvSpPr>
-          <p:cNvPr id="220" name="Google Shape;220;g336b2a33a23_0_0:notes"/>
+          <p:cNvPr id="224" name="Google Shape;224;g336b2a33a23_0_0:notes"/>
           <p:cNvSpPr txBox="1">
             <a:spLocks noGrp="1"/>
           </p:cNvSpPr>
@@ -1467,7 +1467,7 @@
   <p:cSld>
     <p:spTree>
       <p:nvGrpSpPr>
-        <p:cNvPr id="1" name="Shape 225"/>
+        <p:cNvPr id="1" name="Shape 229"/>
         <p:cNvGrpSpPr/>
         <p:nvPr/>
       </p:nvGrpSpPr>
@@ -1481,7 +1481,7 @@
       </p:grpSpPr>
       <p:sp>
         <p:nvSpPr>
-          <p:cNvPr id="226" name="Google Shape;226;g3669bc63441_1_1:notes"/>
+          <p:cNvPr id="230" name="Google Shape;230;g3669bc63441_1_1:notes"/>
           <p:cNvSpPr>
             <a:spLocks noGrp="1" noRot="1" noChangeAspect="1"/>
           </p:cNvSpPr>
@@ -1532,7 +1532,7 @@
       </p:sp>
       <p:sp>
         <p:nvSpPr>
-          <p:cNvPr id="227" name="Google Shape;227;g3669bc63441_1_1:notes"/>
+          <p:cNvPr id="231" name="Google Shape;231;g3669bc63441_1_1:notes"/>
           <p:cNvSpPr txBox="1">
             <a:spLocks noGrp="1"/>
           </p:cNvSpPr>
@@ -1589,7 +1589,7 @@
   <p:cSld>
     <p:spTree>
       <p:nvGrpSpPr>
-        <p:cNvPr id="1" name="Shape 234"/>
+        <p:cNvPr id="1" name="Shape 238"/>
         <p:cNvGrpSpPr/>
         <p:nvPr/>
       </p:nvGrpSpPr>
@@ -1603,7 +1603,7 @@
       </p:grpSpPr>
       <p:sp>
         <p:nvSpPr>
-          <p:cNvPr id="235" name="Google Shape;235;g360f842bd7b_0_0:notes"/>
+          <p:cNvPr id="239" name="Google Shape;239;g360f842bd7b_0_0:notes"/>
           <p:cNvSpPr>
             <a:spLocks noGrp="1" noRot="1" noChangeAspect="1"/>
           </p:cNvSpPr>
@@ -1654,7 +1654,7 @@
       </p:sp>
       <p:sp>
         <p:nvSpPr>
-          <p:cNvPr id="236" name="Google Shape;236;g360f842bd7b_0_0:notes"/>
+          <p:cNvPr id="240" name="Google Shape;240;g360f842bd7b_0_0:notes"/>
           <p:cNvSpPr txBox="1">
             <a:spLocks noGrp="1"/>
           </p:cNvSpPr>
@@ -1711,7 +1711,7 @@
   <p:cSld>
     <p:spTree>
       <p:nvGrpSpPr>
-        <p:cNvPr id="1" name="Shape 242"/>
+        <p:cNvPr id="1" name="Shape 246"/>
         <p:cNvGrpSpPr/>
         <p:nvPr/>
       </p:nvGrpSpPr>
@@ -1725,7 +1725,7 @@
       </p:grpSpPr>
       <p:sp>
         <p:nvSpPr>
-          <p:cNvPr id="243" name="Google Shape;243;g36106340a1a_1_0:notes"/>
+          <p:cNvPr id="247" name="Google Shape;247;g36106340a1a_1_0:notes"/>
           <p:cNvSpPr>
             <a:spLocks noGrp="1" noRot="1" noChangeAspect="1"/>
           </p:cNvSpPr>
@@ -1776,7 +1776,7 @@
       </p:sp>
       <p:sp>
         <p:nvSpPr>
-          <p:cNvPr id="244" name="Google Shape;244;g36106340a1a_1_0:notes"/>
+          <p:cNvPr id="248" name="Google Shape;248;g36106340a1a_1_0:notes"/>
           <p:cNvSpPr txBox="1">
             <a:spLocks noGrp="1"/>
           </p:cNvSpPr>
@@ -1833,7 +1833,7 @@
   <p:cSld>
     <p:spTree>
       <p:nvGrpSpPr>
-        <p:cNvPr id="1" name="Shape 251"/>
+        <p:cNvPr id="1" name="Shape 255"/>
         <p:cNvGrpSpPr/>
         <p:nvPr/>
       </p:nvGrpSpPr>
@@ -1847,7 +1847,7 @@
       </p:grpSpPr>
       <p:sp>
         <p:nvSpPr>
-          <p:cNvPr id="252" name="Google Shape;252;g336ba1c1998_0_0:notes"/>
+          <p:cNvPr id="256" name="Google Shape;256;g336ba1c1998_0_0:notes"/>
           <p:cNvSpPr>
             <a:spLocks noGrp="1" noRot="1" noChangeAspect="1"/>
           </p:cNvSpPr>
@@ -1898,7 +1898,7 @@
       </p:sp>
       <p:sp>
         <p:nvSpPr>
-          <p:cNvPr id="253" name="Google Shape;253;g336ba1c1998_0_0:notes"/>
+          <p:cNvPr id="257" name="Google Shape;257;g336ba1c1998_0_0:notes"/>
           <p:cNvSpPr txBox="1">
             <a:spLocks noGrp="1"/>
           </p:cNvSpPr>
@@ -1955,7 +1955,7 @@
   <p:cSld>
     <p:spTree>
       <p:nvGrpSpPr>
-        <p:cNvPr id="1" name="Shape 260"/>
+        <p:cNvPr id="1" name="Shape 264"/>
         <p:cNvGrpSpPr/>
         <p:nvPr/>
       </p:nvGrpSpPr>
@@ -1969,7 +1969,7 @@
       </p:grpSpPr>
       <p:sp>
         <p:nvSpPr>
-          <p:cNvPr id="261" name="Google Shape;261;g367e4f69f67_0_0:notes"/>
+          <p:cNvPr id="265" name="Google Shape;265;g367e4f69f67_0_0:notes"/>
           <p:cNvSpPr>
             <a:spLocks noGrp="1" noRot="1" noChangeAspect="1"/>
           </p:cNvSpPr>
@@ -2020,7 +2020,7 @@
       </p:sp>
       <p:sp>
         <p:nvSpPr>
-          <p:cNvPr id="262" name="Google Shape;262;g367e4f69f67_0_0:notes"/>
+          <p:cNvPr id="266" name="Google Shape;266;g367e4f69f67_0_0:notes"/>
           <p:cNvSpPr txBox="1">
             <a:spLocks noGrp="1"/>
           </p:cNvSpPr>
@@ -2077,7 +2077,7 @@
   <p:cSld>
     <p:spTree>
       <p:nvGrpSpPr>
-        <p:cNvPr id="1" name="Shape 270"/>
+        <p:cNvPr id="1" name="Shape 274"/>
         <p:cNvGrpSpPr/>
         <p:nvPr/>
       </p:nvGrpSpPr>
@@ -2091,7 +2091,7 @@
       </p:grpSpPr>
       <p:sp>
         <p:nvSpPr>
-          <p:cNvPr id="271" name="Google Shape;271;p23:notes"/>
+          <p:cNvPr id="275" name="Google Shape;275;p23:notes"/>
           <p:cNvSpPr>
             <a:spLocks noGrp="1" noRot="1" noChangeAspect="1"/>
           </p:cNvSpPr>
@@ -2142,7 +2142,7 @@
       </p:sp>
       <p:sp>
         <p:nvSpPr>
-          <p:cNvPr id="272" name="Google Shape;272;p23:notes"/>
+          <p:cNvPr id="276" name="Google Shape;276;p23:notes"/>
           <p:cNvSpPr txBox="1">
             <a:spLocks noGrp="1"/>
           </p:cNvSpPr>
@@ -2321,7 +2321,7 @@
   <p:cSld>
     <p:spTree>
       <p:nvGrpSpPr>
-        <p:cNvPr id="1" name="Shape 281"/>
+        <p:cNvPr id="1" name="Shape 285"/>
         <p:cNvGrpSpPr/>
         <p:nvPr/>
       </p:nvGrpSpPr>
@@ -2335,7 +2335,7 @@
       </p:grpSpPr>
       <p:sp>
         <p:nvSpPr>
-          <p:cNvPr id="282" name="Google Shape;282;p24:notes"/>
+          <p:cNvPr id="286" name="Google Shape;286;p24:notes"/>
           <p:cNvSpPr>
             <a:spLocks noGrp="1" noRot="1" noChangeAspect="1"/>
           </p:cNvSpPr>
@@ -2386,7 +2386,7 @@
       </p:sp>
       <p:sp>
         <p:nvSpPr>
-          <p:cNvPr id="283" name="Google Shape;283;p24:notes"/>
+          <p:cNvPr id="287" name="Google Shape;287;p24:notes"/>
           <p:cNvSpPr txBox="1">
             <a:spLocks noGrp="1"/>
           </p:cNvSpPr>
@@ -2443,7 +2443,7 @@
   <p:cSld>
     <p:spTree>
       <p:nvGrpSpPr>
-        <p:cNvPr id="1" name="Shape 291"/>
+        <p:cNvPr id="1" name="Shape 295"/>
         <p:cNvGrpSpPr/>
         <p:nvPr/>
       </p:nvGrpSpPr>
@@ -2457,7 +2457,7 @@
       </p:grpSpPr>
       <p:sp>
         <p:nvSpPr>
-          <p:cNvPr id="292" name="Google Shape;292;p25:notes"/>
+          <p:cNvPr id="296" name="Google Shape;296;p25:notes"/>
           <p:cNvSpPr>
             <a:spLocks noGrp="1" noRot="1" noChangeAspect="1"/>
           </p:cNvSpPr>
@@ -2508,7 +2508,7 @@
       </p:sp>
       <p:sp>
         <p:nvSpPr>
-          <p:cNvPr id="293" name="Google Shape;293;p25:notes"/>
+          <p:cNvPr id="297" name="Google Shape;297;p25:notes"/>
           <p:cNvSpPr txBox="1">
             <a:spLocks noGrp="1"/>
           </p:cNvSpPr>
@@ -13752,7 +13752,7 @@
         <p:spPr>
           <a:xfrm>
             <a:off x="4576975" y="940208"/>
-            <a:ext cx="4502400" cy="2327400"/>
+            <a:ext cx="4502400" cy="2558100"/>
           </a:xfrm>
           <a:prstGeom prst="rect">
             <a:avLst/>
@@ -13924,6 +13924,46 @@
                 <a:sym typeface="Calibri"/>
               </a:rPr>
               <a:t>AMD MI350 AI chip line to rival Nvidia Blackwell</a:t>
+            </a:r>
+            <a:endParaRPr sz="1500" b="1">
+              <a:solidFill>
+                <a:srgbClr val="3C78D8"/>
+              </a:solidFill>
+              <a:latin typeface="Calibri"/>
+              <a:ea typeface="Calibri"/>
+              <a:cs typeface="Calibri"/>
+              <a:sym typeface="Calibri"/>
+            </a:endParaRPr>
+          </a:p>
+          <a:p>
+            <a:pPr marL="228600" marR="0" lvl="0" indent="-209550" algn="l" rtl="0">
+              <a:lnSpc>
+                <a:spcPct val="100000"/>
+              </a:lnSpc>
+              <a:spcBef>
+                <a:spcPts val="0"/>
+              </a:spcBef>
+              <a:spcAft>
+                <a:spcPts val="0"/>
+              </a:spcAft>
+              <a:buClr>
+                <a:srgbClr val="3C78D8"/>
+              </a:buClr>
+              <a:buSzPts val="1500"/>
+              <a:buFont typeface="Calibri"/>
+              <a:buChar char="●"/>
+            </a:pPr>
+            <a:r>
+              <a:rPr lang="en" sz="1500" b="1">
+                <a:solidFill>
+                  <a:srgbClr val="3C78D8"/>
+                </a:solidFill>
+                <a:latin typeface="Calibri"/>
+                <a:ea typeface="Calibri"/>
+                <a:cs typeface="Calibri"/>
+                <a:sym typeface="Calibri"/>
+              </a:rPr>
+              <a:t>ByteDance Seedance 1.0 Video Generation</a:t>
             </a:r>
             <a:endParaRPr sz="1500" b="1">
               <a:solidFill>
@@ -14603,7 +14643,7 @@
         </p:nvSpPr>
         <p:spPr>
           <a:xfrm>
-            <a:off x="55075" y="1821675"/>
+            <a:off x="55075" y="1764206"/>
             <a:ext cx="4440900" cy="757200"/>
           </a:xfrm>
           <a:prstGeom prst="rect">
@@ -14783,8 +14823,8 @@
         </p:blipFill>
         <p:spPr>
           <a:xfrm>
-            <a:off x="4793375" y="1812575"/>
-            <a:ext cx="2083625" cy="918708"/>
+            <a:off x="4687147" y="1764200"/>
+            <a:ext cx="1717340" cy="757199"/>
           </a:xfrm>
           <a:prstGeom prst="rect">
             <a:avLst/>
@@ -14848,7 +14888,7 @@
         </p:nvSpPr>
         <p:spPr>
           <a:xfrm>
-            <a:off x="55075" y="2698675"/>
+            <a:off x="55075" y="2560642"/>
             <a:ext cx="4440900" cy="849600"/>
           </a:xfrm>
           <a:prstGeom prst="rect">
@@ -15007,107 +15047,16 @@
           </a:p>
         </p:txBody>
       </p:sp>
-    </p:spTree>
-  </p:cSld>
-  <p:clrMapOvr>
-    <a:masterClrMapping/>
-  </p:clrMapOvr>
-</p:sld>
-</file>
-
-<file path=ppt/slides/slide11.xml><?xml version="1.0" encoding="utf-8"?>
-<p:sld xmlns:a="http://schemas.openxmlformats.org/drawingml/2006/main" xmlns:r="http://schemas.openxmlformats.org/officeDocument/2006/relationships" xmlns:p="http://schemas.openxmlformats.org/presentationml/2006/main">
-  <p:cSld>
-    <p:spTree>
-      <p:nvGrpSpPr>
-        <p:cNvPr id="1" name="Shape 206"/>
-        <p:cNvGrpSpPr/>
-        <p:nvPr/>
-      </p:nvGrpSpPr>
-      <p:grpSpPr>
-        <a:xfrm>
-          <a:off x="0" y="0"/>
-          <a:ext cx="0" cy="0"/>
-          <a:chOff x="0" y="0"/>
-          <a:chExt cx="0" cy="0"/>
-        </a:xfrm>
-      </p:grpSpPr>
       <p:sp>
         <p:nvSpPr>
-          <p:cNvPr id="207" name="Google Shape;207;p25"/>
+          <p:cNvPr id="203" name="Google Shape;203;p24"/>
           <p:cNvSpPr txBox="1"/>
           <p:nvPr/>
         </p:nvSpPr>
         <p:spPr>
           <a:xfrm>
-            <a:off x="55075" y="-23450"/>
-            <a:ext cx="2271900" cy="326400"/>
-          </a:xfrm>
-          <a:prstGeom prst="rect">
-            <a:avLst/>
-          </a:prstGeom>
-          <a:noFill/>
-          <a:ln>
-            <a:noFill/>
-          </a:ln>
-        </p:spPr>
-        <p:txBody>
-          <a:bodyPr spcFirstLastPara="1" wrap="square" lIns="9125" tIns="9125" rIns="9125" bIns="9125" anchor="t" anchorCtr="0">
-            <a:spAutoFit/>
-          </a:bodyPr>
-          <a:lstStyle/>
-          <a:p>
-            <a:pPr marL="0" marR="0" lvl="0" indent="0" algn="l" rtl="0">
-              <a:lnSpc>
-                <a:spcPct val="100000"/>
-              </a:lnSpc>
-              <a:spcBef>
-                <a:spcPts val="0"/>
-              </a:spcBef>
-              <a:spcAft>
-                <a:spcPts val="0"/>
-              </a:spcAft>
-              <a:buClr>
-                <a:schemeClr val="dk1"/>
-              </a:buClr>
-              <a:buSzPts val="1100"/>
-              <a:buFont typeface="Arial"/>
-              <a:buNone/>
-            </a:pPr>
-            <a:r>
-              <a:rPr lang="en" sz="2000" b="1">
-                <a:solidFill>
-                  <a:schemeClr val="dk1"/>
-                </a:solidFill>
-                <a:latin typeface="Calibri"/>
-                <a:ea typeface="Calibri"/>
-                <a:cs typeface="Calibri"/>
-                <a:sym typeface="Calibri"/>
-              </a:rPr>
-              <a:t>Cursor Tech Stack</a:t>
-            </a:r>
-            <a:endParaRPr sz="2000" b="1" i="0" u="none" strike="noStrike" cap="none">
-              <a:solidFill>
-                <a:schemeClr val="dk1"/>
-              </a:solidFill>
-              <a:latin typeface="Calibri"/>
-              <a:ea typeface="Calibri"/>
-              <a:cs typeface="Calibri"/>
-              <a:sym typeface="Calibri"/>
-            </a:endParaRPr>
-          </a:p>
-        </p:txBody>
-      </p:sp>
-      <p:sp>
-        <p:nvSpPr>
-          <p:cNvPr id="208" name="Google Shape;208;p25"/>
-          <p:cNvSpPr txBox="1"/>
-          <p:nvPr/>
-        </p:nvSpPr>
-        <p:spPr>
-          <a:xfrm>
-            <a:off x="55075" y="337050"/>
-            <a:ext cx="4440900" cy="4451400"/>
+            <a:off x="55075" y="3469753"/>
+            <a:ext cx="4440900" cy="1496100"/>
           </a:xfrm>
           <a:prstGeom prst="rect">
             <a:avLst/>
@@ -15158,7 +15107,7 @@
                 <a:cs typeface="Calibri"/>
                 <a:sym typeface="Calibri"/>
               </a:rPr>
-              <a:t>Cursor AI editor - 1 Mln queries per second</a:t>
+              <a:t>ByteDance Seedance 1.0 Video Generation</a:t>
             </a:r>
             <a:endParaRPr sz="1200" b="1">
               <a:solidFill>
@@ -15198,7 +15147,7 @@
                 <a:cs typeface="Calibri"/>
                 <a:sym typeface="Calibri"/>
               </a:rPr>
-              <a:t>Written in Rust, 25,000 files, 7 million lines of code</a:t>
+              <a:t>China, TikTok parent ByteDance tops leaderboards for both text-to-video and image-to-video tasks, beating Google's Veo 3 and OpenAI's Sora</a:t>
             </a:r>
             <a:endParaRPr sz="1200">
               <a:solidFill>
@@ -15229,17 +15178,16 @@
               <a:buChar char="●"/>
             </a:pPr>
             <a:r>
-              <a:rPr lang="en" sz="1200" u="sng">
-                <a:solidFill>
-                  <a:schemeClr val="hlink"/>
-                </a:solidFill>
-                <a:latin typeface="Calibri"/>
-                <a:ea typeface="Calibri"/>
-                <a:cs typeface="Calibri"/>
-                <a:sym typeface="Calibri"/>
-                <a:hlinkClick r:id="rId3"/>
-              </a:rPr>
-              <a:t>https://newsletter.pragmaticengineer.com/p/cursor</a:t>
+              <a:rPr lang="en" sz="1200">
+                <a:solidFill>
+                  <a:schemeClr val="dk1"/>
+                </a:solidFill>
+                <a:latin typeface="Calibri"/>
+                <a:ea typeface="Calibri"/>
+                <a:cs typeface="Calibri"/>
+                <a:sym typeface="Calibri"/>
+              </a:rPr>
+              <a:t>Seedance generates 5 seconds of HD video in 41 seconds and natively supports multi-shot storytelling though it lacks audio generation.</a:t>
             </a:r>
             <a:endParaRPr sz="1200">
               <a:solidFill>
@@ -15279,57 +15227,9 @@
                 <a:cs typeface="Calibri"/>
                 <a:sym typeface="Calibri"/>
               </a:rPr>
-              <a:t>Tech stack. </a:t>
-            </a:r>
-            <a:r>
-              <a:rPr lang="en" sz="1200" b="1">
-                <a:solidFill>
-                  <a:srgbClr val="FF0000"/>
-                </a:solidFill>
-                <a:latin typeface="Calibri"/>
-                <a:ea typeface="Calibri"/>
-                <a:cs typeface="Calibri"/>
-                <a:sym typeface="Calibri"/>
-              </a:rPr>
-              <a:t>TypeScript (+Electron) and Rust</a:t>
-            </a:r>
-            <a:r>
-              <a:rPr lang="en" sz="1200">
-                <a:solidFill>
-                  <a:schemeClr val="dk1"/>
-                </a:solidFill>
-                <a:latin typeface="Calibri"/>
-                <a:ea typeface="Calibri"/>
-                <a:cs typeface="Calibri"/>
-                <a:sym typeface="Calibri"/>
-              </a:rPr>
-              <a:t>, </a:t>
-            </a:r>
-            <a:r>
-              <a:rPr lang="en" sz="1200" b="1">
-                <a:solidFill>
-                  <a:srgbClr val="3C78D8"/>
-                </a:solidFill>
-                <a:latin typeface="Calibri"/>
-                <a:ea typeface="Calibri"/>
-                <a:cs typeface="Calibri"/>
-                <a:sym typeface="Calibri"/>
-              </a:rPr>
-              <a:t>cloud providers, Turbopuffer (vector search), Datadog (cloud monitoring), PagerDuty (real time alerting and escalation), and others</a:t>
-            </a:r>
-            <a:r>
-              <a:rPr lang="en" sz="1200">
-                <a:solidFill>
-                  <a:schemeClr val="dk1"/>
-                </a:solidFill>
-                <a:latin typeface="Calibri"/>
-                <a:ea typeface="Calibri"/>
-                <a:cs typeface="Calibri"/>
-                <a:sym typeface="Calibri"/>
-              </a:rPr>
-              <a:t>.</a:t>
-            </a:r>
-            <a:endParaRPr sz="1200">
+              <a:t>https://seed.bytedance.com/en/seedance?utm_source=tldrai</a:t>
+            </a:r>
+            <a:endParaRPr sz="900">
               <a:solidFill>
                 <a:schemeClr val="dk1"/>
               </a:solidFill>
@@ -15339,8 +15239,137 @@
               <a:sym typeface="Calibri"/>
             </a:endParaRPr>
           </a:p>
+        </p:txBody>
+      </p:sp>
+      <p:pic>
+        <p:nvPicPr>
+          <p:cNvPr id="204" name="Google Shape;204;p24"/>
+          <p:cNvPicPr preferRelativeResize="0"/>
+          <p:nvPr/>
+        </p:nvPicPr>
+        <p:blipFill>
+          <a:blip r:embed="rId8" cstate="email">
+            <a:alphaModFix/>
+            <a:extLst>
+              <a:ext uri="{28A0092B-C50C-407E-A947-70E740481C1C}">
+                <a14:useLocalDpi xmlns:a14="http://schemas.microsoft.com/office/drawing/2010/main"/>
+              </a:ext>
+            </a:extLst>
+          </a:blip>
+          <a:stretch>
+            <a:fillRect/>
+          </a:stretch>
+        </p:blipFill>
+        <p:spPr>
+          <a:xfrm>
+            <a:off x="4689775" y="3469750"/>
+            <a:ext cx="2537738" cy="1496100"/>
+          </a:xfrm>
+          <a:prstGeom prst="rect">
+            <a:avLst/>
+          </a:prstGeom>
+          <a:noFill/>
+          <a:ln w="9525" cap="flat" cmpd="sng">
+            <a:solidFill>
+              <a:srgbClr val="FF0000"/>
+            </a:solidFill>
+            <a:prstDash val="solid"/>
+            <a:round/>
+            <a:headEnd type="none" w="sm" len="sm"/>
+            <a:tailEnd type="none" w="sm" len="sm"/>
+          </a:ln>
+        </p:spPr>
+      </p:pic>
+      <p:pic>
+        <p:nvPicPr>
+          <p:cNvPr id="205" name="Google Shape;205;p24"/>
+          <p:cNvPicPr preferRelativeResize="0"/>
+          <p:nvPr/>
+        </p:nvPicPr>
+        <p:blipFill>
+          <a:blip r:embed="rId9" cstate="email">
+            <a:alphaModFix/>
+            <a:extLst>
+              <a:ext uri="{28A0092B-C50C-407E-A947-70E740481C1C}">
+                <a14:useLocalDpi xmlns:a14="http://schemas.microsoft.com/office/drawing/2010/main"/>
+              </a:ext>
+            </a:extLst>
+          </a:blip>
+          <a:stretch>
+            <a:fillRect/>
+          </a:stretch>
+        </p:blipFill>
+        <p:spPr>
+          <a:xfrm>
+            <a:off x="4689777" y="2563200"/>
+            <a:ext cx="1097606" cy="849600"/>
+          </a:xfrm>
+          <a:prstGeom prst="rect">
+            <a:avLst/>
+          </a:prstGeom>
+          <a:noFill/>
+          <a:ln w="9525" cap="flat" cmpd="sng">
+            <a:solidFill>
+              <a:srgbClr val="FF0000"/>
+            </a:solidFill>
+            <a:prstDash val="solid"/>
+            <a:round/>
+            <a:headEnd type="none" w="sm" len="sm"/>
+            <a:tailEnd type="none" w="sm" len="sm"/>
+          </a:ln>
+        </p:spPr>
+      </p:pic>
+    </p:spTree>
+  </p:cSld>
+  <p:clrMapOvr>
+    <a:masterClrMapping/>
+  </p:clrMapOvr>
+</p:sld>
+</file>
+
+<file path=ppt/slides/slide11.xml><?xml version="1.0" encoding="utf-8"?>
+<p:sld xmlns:a="http://schemas.openxmlformats.org/drawingml/2006/main" xmlns:r="http://schemas.openxmlformats.org/officeDocument/2006/relationships" xmlns:p="http://schemas.openxmlformats.org/presentationml/2006/main">
+  <p:cSld>
+    <p:spTree>
+      <p:nvGrpSpPr>
+        <p:cNvPr id="1" name="Shape 209"/>
+        <p:cNvGrpSpPr/>
+        <p:nvPr/>
+      </p:nvGrpSpPr>
+      <p:grpSpPr>
+        <a:xfrm>
+          <a:off x="0" y="0"/>
+          <a:ext cx="0" cy="0"/>
+          <a:chOff x="0" y="0"/>
+          <a:chExt cx="0" cy="0"/>
+        </a:xfrm>
+      </p:grpSpPr>
+      <p:sp>
+        <p:nvSpPr>
+          <p:cNvPr id="210" name="Google Shape;210;p25"/>
+          <p:cNvSpPr txBox="1"/>
+          <p:nvPr/>
+        </p:nvSpPr>
+        <p:spPr>
+          <a:xfrm>
+            <a:off x="55075" y="-23450"/>
+            <a:ext cx="2271900" cy="326400"/>
+          </a:xfrm>
+          <a:prstGeom prst="rect">
+            <a:avLst/>
+          </a:prstGeom>
+          <a:noFill/>
+          <a:ln>
+            <a:noFill/>
+          </a:ln>
+        </p:spPr>
+        <p:txBody>
+          <a:bodyPr spcFirstLastPara="1" wrap="square" lIns="9125" tIns="9125" rIns="9125" bIns="9125" anchor="t" anchorCtr="0">
+            <a:spAutoFit/>
+          </a:bodyPr>
+          <a:lstStyle/>
           <a:p>
-            <a:pPr marL="171450" marR="0" lvl="0" indent="-114300" algn="l" rtl="0">
+            <a:pPr marL="0" marR="0" lvl="0" indent="0" algn="l" rtl="0">
               <a:lnSpc>
                 <a:spcPct val="100000"/>
               </a:lnSpc>
@@ -15353,12 +15382,12 @@
               <a:buClr>
                 <a:schemeClr val="dk1"/>
               </a:buClr>
-              <a:buSzPts val="900"/>
-              <a:buFont typeface="Calibri"/>
-              <a:buChar char="●"/>
+              <a:buSzPts val="1100"/>
+              <a:buFont typeface="Arial"/>
+              <a:buNone/>
             </a:pPr>
             <a:r>
-              <a:rPr lang="en" sz="1200">
+              <a:rPr lang="en" sz="2000" b="1">
                 <a:solidFill>
                   <a:schemeClr val="dk1"/>
                 </a:solidFill>
@@ -15367,441 +15396,9 @@
                 <a:cs typeface="Calibri"/>
                 <a:sym typeface="Calibri"/>
               </a:rPr>
-              <a:t>How the autocomplete works. A </a:t>
-            </a:r>
-            <a:r>
-              <a:rPr lang="en" sz="1200" b="1">
-                <a:solidFill>
-                  <a:srgbClr val="3C78D8"/>
-                </a:solidFill>
-                <a:latin typeface="Calibri"/>
-                <a:ea typeface="Calibri"/>
-                <a:cs typeface="Calibri"/>
-                <a:sym typeface="Calibri"/>
-              </a:rPr>
-              <a:t>low-latency sync engine passes encrypted context to the server, which runs inference.</a:t>
-            </a:r>
-            <a:endParaRPr sz="1200" b="1">
-              <a:solidFill>
-                <a:srgbClr val="3C78D8"/>
-              </a:solidFill>
-              <a:latin typeface="Calibri"/>
-              <a:ea typeface="Calibri"/>
-              <a:cs typeface="Calibri"/>
-              <a:sym typeface="Calibri"/>
-            </a:endParaRPr>
-          </a:p>
-          <a:p>
-            <a:pPr marL="171450" marR="0" lvl="0" indent="-114300" algn="l" rtl="0">
-              <a:lnSpc>
-                <a:spcPct val="100000"/>
-              </a:lnSpc>
-              <a:spcBef>
-                <a:spcPts val="0"/>
-              </a:spcBef>
-              <a:spcAft>
-                <a:spcPts val="0"/>
-              </a:spcAft>
-              <a:buClr>
-                <a:schemeClr val="dk1"/>
-              </a:buClr>
-              <a:buSzPts val="900"/>
-              <a:buFont typeface="Calibri"/>
-              <a:buChar char="●"/>
-            </a:pPr>
-            <a:r>
-              <a:rPr lang="en" sz="1200">
-                <a:solidFill>
-                  <a:schemeClr val="dk1"/>
-                </a:solidFill>
-                <a:latin typeface="Calibri"/>
-                <a:ea typeface="Calibri"/>
-                <a:cs typeface="Calibri"/>
-                <a:sym typeface="Calibri"/>
-              </a:rPr>
-              <a:t>How the Chat works without storing code on the server. Clever use of </a:t>
-            </a:r>
-            <a:r>
-              <a:rPr lang="en" sz="1200" b="1">
-                <a:solidFill>
-                  <a:srgbClr val="3C78D8"/>
-                </a:solidFill>
-                <a:latin typeface="Calibri"/>
-                <a:ea typeface="Calibri"/>
-                <a:cs typeface="Calibri"/>
-                <a:sym typeface="Calibri"/>
-              </a:rPr>
-              <a:t>Merkle trees</a:t>
-            </a:r>
-            <a:r>
-              <a:rPr lang="en" sz="1200">
-                <a:solidFill>
-                  <a:schemeClr val="dk1"/>
-                </a:solidFill>
-                <a:latin typeface="Calibri"/>
-                <a:ea typeface="Calibri"/>
-                <a:cs typeface="Calibri"/>
-                <a:sym typeface="Calibri"/>
-              </a:rPr>
-              <a:t> to avoid storing source code on the server, while being able to search source code using </a:t>
-            </a:r>
-            <a:r>
-              <a:rPr lang="en" sz="1200" b="1">
-                <a:solidFill>
-                  <a:srgbClr val="3C78D8"/>
-                </a:solidFill>
-                <a:latin typeface="Calibri"/>
-                <a:ea typeface="Calibri"/>
-                <a:cs typeface="Calibri"/>
-                <a:sym typeface="Calibri"/>
-              </a:rPr>
-              <a:t>embeddings</a:t>
-            </a:r>
-            <a:r>
-              <a:rPr lang="en" sz="1200">
-                <a:solidFill>
-                  <a:schemeClr val="dk1"/>
-                </a:solidFill>
-                <a:latin typeface="Calibri"/>
-                <a:ea typeface="Calibri"/>
-                <a:cs typeface="Calibri"/>
-                <a:sym typeface="Calibri"/>
-              </a:rPr>
-              <a:t>.</a:t>
-            </a:r>
-            <a:endParaRPr sz="1200">
-              <a:solidFill>
-                <a:schemeClr val="dk1"/>
-              </a:solidFill>
-              <a:latin typeface="Calibri"/>
-              <a:ea typeface="Calibri"/>
-              <a:cs typeface="Calibri"/>
-              <a:sym typeface="Calibri"/>
-            </a:endParaRPr>
-          </a:p>
-          <a:p>
-            <a:pPr marL="171450" marR="0" lvl="0" indent="-114300" algn="l" rtl="0">
-              <a:lnSpc>
-                <a:spcPct val="100000"/>
-              </a:lnSpc>
-              <a:spcBef>
-                <a:spcPts val="0"/>
-              </a:spcBef>
-              <a:spcAft>
-                <a:spcPts val="0"/>
-              </a:spcAft>
-              <a:buClr>
-                <a:schemeClr val="dk1"/>
-              </a:buClr>
-              <a:buSzPts val="900"/>
-              <a:buFont typeface="Calibri"/>
-              <a:buChar char="●"/>
-            </a:pPr>
-            <a:r>
-              <a:rPr lang="en" sz="1200" b="1">
-                <a:solidFill>
-                  <a:srgbClr val="3C78D8"/>
-                </a:solidFill>
-                <a:latin typeface="Calibri"/>
-                <a:ea typeface="Calibri"/>
-                <a:cs typeface="Calibri"/>
-                <a:sym typeface="Calibri"/>
-              </a:rPr>
-              <a:t>Anyrun: Cursor’s orchestrator service</a:t>
-            </a:r>
-            <a:r>
-              <a:rPr lang="en" sz="1200">
-                <a:solidFill>
-                  <a:schemeClr val="dk1"/>
-                </a:solidFill>
-                <a:latin typeface="Calibri"/>
-                <a:ea typeface="Calibri"/>
-                <a:cs typeface="Calibri"/>
-                <a:sym typeface="Calibri"/>
-              </a:rPr>
-              <a:t>. A Rust service takes care of launching agents in the cloud, securely and with the right process isolation, using </a:t>
-            </a:r>
-            <a:r>
-              <a:rPr lang="en" sz="1200" b="1">
-                <a:solidFill>
-                  <a:srgbClr val="3C78D8"/>
-                </a:solidFill>
-                <a:latin typeface="Calibri"/>
-                <a:ea typeface="Calibri"/>
-                <a:cs typeface="Calibri"/>
-                <a:sym typeface="Calibri"/>
-              </a:rPr>
-              <a:t>Amazon EC2 and AWS Firecracker.</a:t>
-            </a:r>
-            <a:endParaRPr sz="1200" b="1">
-              <a:solidFill>
-                <a:srgbClr val="3C78D8"/>
-              </a:solidFill>
-              <a:latin typeface="Calibri"/>
-              <a:ea typeface="Calibri"/>
-              <a:cs typeface="Calibri"/>
-              <a:sym typeface="Calibri"/>
-            </a:endParaRPr>
-          </a:p>
-          <a:p>
-            <a:pPr marL="171450" marR="0" lvl="0" indent="-114300" algn="l" rtl="0">
-              <a:lnSpc>
-                <a:spcPct val="100000"/>
-              </a:lnSpc>
-              <a:spcBef>
-                <a:spcPts val="0"/>
-              </a:spcBef>
-              <a:spcAft>
-                <a:spcPts val="0"/>
-              </a:spcAft>
-              <a:buClr>
-                <a:schemeClr val="dk1"/>
-              </a:buClr>
-              <a:buSzPts val="900"/>
-              <a:buFont typeface="Calibri"/>
-              <a:buChar char="●"/>
-            </a:pPr>
-            <a:r>
-              <a:rPr lang="en" sz="1200" b="1">
-                <a:solidFill>
-                  <a:srgbClr val="3C78D8"/>
-                </a:solidFill>
-                <a:latin typeface="Calibri"/>
-                <a:ea typeface="Calibri"/>
-                <a:cs typeface="Calibri"/>
-                <a:sym typeface="Calibri"/>
-              </a:rPr>
-              <a:t>Firecracker</a:t>
-            </a:r>
-            <a:r>
-              <a:rPr lang="en" sz="1200">
-                <a:solidFill>
-                  <a:schemeClr val="dk1"/>
-                </a:solidFill>
-                <a:latin typeface="Calibri"/>
-                <a:ea typeface="Calibri"/>
-                <a:cs typeface="Calibri"/>
-                <a:sym typeface="Calibri"/>
-              </a:rPr>
-              <a:t> - secure, lightweight micro-virtual machines (</a:t>
-            </a:r>
-            <a:r>
-              <a:rPr lang="en" sz="1200" b="1">
-                <a:solidFill>
-                  <a:srgbClr val="3C78D8"/>
-                </a:solidFill>
-                <a:latin typeface="Calibri"/>
-                <a:ea typeface="Calibri"/>
-                <a:cs typeface="Calibri"/>
-                <a:sym typeface="Calibri"/>
-              </a:rPr>
-              <a:t>microVMs</a:t>
-            </a:r>
-            <a:r>
-              <a:rPr lang="en" sz="1200">
-                <a:solidFill>
-                  <a:schemeClr val="dk1"/>
-                </a:solidFill>
-                <a:latin typeface="Calibri"/>
-                <a:ea typeface="Calibri"/>
-                <a:cs typeface="Calibri"/>
-                <a:sym typeface="Calibri"/>
-              </a:rPr>
-              <a:t>) optimized for serverless and containerized workloads. It is </a:t>
-            </a:r>
-            <a:r>
-              <a:rPr lang="en" sz="1200" b="1">
-                <a:solidFill>
-                  <a:srgbClr val="3C78D8"/>
-                </a:solidFill>
-                <a:latin typeface="Calibri"/>
-                <a:ea typeface="Calibri"/>
-                <a:cs typeface="Calibri"/>
-                <a:sym typeface="Calibri"/>
-              </a:rPr>
-              <a:t>written in Rust </a:t>
-            </a:r>
-            <a:r>
-              <a:rPr lang="en" sz="1200">
-                <a:solidFill>
-                  <a:schemeClr val="dk1"/>
-                </a:solidFill>
-                <a:latin typeface="Calibri"/>
-                <a:ea typeface="Calibri"/>
-                <a:cs typeface="Calibri"/>
-                <a:sym typeface="Calibri"/>
-              </a:rPr>
-              <a:t>and leverages the Linux Kernel-based Virtual Machine (KVM)</a:t>
-            </a:r>
-            <a:endParaRPr sz="1200">
-              <a:solidFill>
-                <a:schemeClr val="dk1"/>
-              </a:solidFill>
-              <a:latin typeface="Calibri"/>
-              <a:ea typeface="Calibri"/>
-              <a:cs typeface="Calibri"/>
-              <a:sym typeface="Calibri"/>
-            </a:endParaRPr>
-          </a:p>
-          <a:p>
-            <a:pPr marL="171450" marR="0" lvl="0" indent="-114300" algn="l" rtl="0">
-              <a:lnSpc>
-                <a:spcPct val="100000"/>
-              </a:lnSpc>
-              <a:spcBef>
-                <a:spcPts val="0"/>
-              </a:spcBef>
-              <a:spcAft>
-                <a:spcPts val="0"/>
-              </a:spcAft>
-              <a:buClr>
-                <a:srgbClr val="6AA84F"/>
-              </a:buClr>
-              <a:buSzPts val="900"/>
-              <a:buFont typeface="Calibri"/>
-              <a:buChar char="●"/>
-            </a:pPr>
-            <a:r>
-              <a:rPr lang="en" sz="1200" b="1">
-                <a:solidFill>
-                  <a:srgbClr val="6AA84F"/>
-                </a:solidFill>
-                <a:latin typeface="Calibri"/>
-                <a:ea typeface="Calibri"/>
-                <a:cs typeface="Calibri"/>
-                <a:sym typeface="Calibri"/>
-              </a:rPr>
-              <a:t>Usage patterns dictate technology choices, scaling problems, the cold start problem, sharding challenges, and hard-to-spot outages.</a:t>
-            </a:r>
-            <a:endParaRPr sz="1200">
-              <a:solidFill>
-                <a:schemeClr val="dk1"/>
-              </a:solidFill>
-              <a:latin typeface="Calibri"/>
-              <a:ea typeface="Calibri"/>
-              <a:cs typeface="Calibri"/>
-              <a:sym typeface="Calibri"/>
-            </a:endParaRPr>
-          </a:p>
-          <a:p>
-            <a:pPr marL="171450" marR="0" lvl="0" indent="-114300" algn="l" rtl="0">
-              <a:lnSpc>
-                <a:spcPct val="100000"/>
-              </a:lnSpc>
-              <a:spcBef>
-                <a:spcPts val="0"/>
-              </a:spcBef>
-              <a:spcAft>
-                <a:spcPts val="0"/>
-              </a:spcAft>
-              <a:buClr>
-                <a:schemeClr val="dk1"/>
-              </a:buClr>
-              <a:buSzPts val="900"/>
-              <a:buFont typeface="Calibri"/>
-              <a:buChar char="●"/>
-            </a:pPr>
-            <a:r>
-              <a:rPr lang="en" sz="1200">
-                <a:solidFill>
-                  <a:schemeClr val="dk1"/>
-                </a:solidFill>
-                <a:latin typeface="Calibri"/>
-                <a:ea typeface="Calibri"/>
-                <a:cs typeface="Calibri"/>
-                <a:sym typeface="Calibri"/>
-              </a:rPr>
-              <a:t>Database - Cursor moved from Yugabyte (a database that should scale infinitely), to </a:t>
-            </a:r>
-            <a:r>
-              <a:rPr lang="en" sz="1200" b="1">
-                <a:solidFill>
-                  <a:srgbClr val="FF0000"/>
-                </a:solidFill>
-                <a:latin typeface="Calibri"/>
-                <a:ea typeface="Calibri"/>
-                <a:cs typeface="Calibri"/>
-                <a:sym typeface="Calibri"/>
-              </a:rPr>
-              <a:t>PostgresSQL</a:t>
-            </a:r>
-            <a:r>
-              <a:rPr lang="en" sz="1200">
-                <a:solidFill>
-                  <a:schemeClr val="dk1"/>
-                </a:solidFill>
-                <a:latin typeface="Calibri"/>
-                <a:ea typeface="Calibri"/>
-                <a:cs typeface="Calibri"/>
-                <a:sym typeface="Calibri"/>
-              </a:rPr>
-              <a:t>. Also, the epic effort of moving to </a:t>
-            </a:r>
-            <a:r>
-              <a:rPr lang="en" sz="1200" b="1">
-                <a:solidFill>
-                  <a:srgbClr val="FF0000"/>
-                </a:solidFill>
-                <a:latin typeface="Calibri"/>
-                <a:ea typeface="Calibri"/>
-                <a:cs typeface="Calibri"/>
-                <a:sym typeface="Calibri"/>
-              </a:rPr>
-              <a:t>Turbopuffer</a:t>
-            </a:r>
-            <a:r>
-              <a:rPr lang="en" sz="1200">
-                <a:solidFill>
-                  <a:schemeClr val="dk1"/>
-                </a:solidFill>
-                <a:latin typeface="Calibri"/>
-                <a:ea typeface="Calibri"/>
-                <a:cs typeface="Calibri"/>
-                <a:sym typeface="Calibri"/>
-              </a:rPr>
-              <a:t> in hours, during a large indexing outage.</a:t>
-            </a:r>
-            <a:endParaRPr sz="1200">
-              <a:solidFill>
-                <a:schemeClr val="dk1"/>
-              </a:solidFill>
-              <a:latin typeface="Calibri"/>
-              <a:ea typeface="Calibri"/>
-              <a:cs typeface="Calibri"/>
-              <a:sym typeface="Calibri"/>
-            </a:endParaRPr>
-          </a:p>
-          <a:p>
-            <a:pPr marL="171450" marR="0" lvl="0" indent="-114300" algn="l" rtl="0">
-              <a:lnSpc>
-                <a:spcPct val="100000"/>
-              </a:lnSpc>
-              <a:spcBef>
-                <a:spcPts val="0"/>
-              </a:spcBef>
-              <a:spcAft>
-                <a:spcPts val="0"/>
-              </a:spcAft>
-              <a:buClr>
-                <a:schemeClr val="dk1"/>
-              </a:buClr>
-              <a:buSzPts val="900"/>
-              <a:buFont typeface="Calibri"/>
-              <a:buChar char="●"/>
-            </a:pPr>
-            <a:r>
-              <a:rPr lang="en" sz="1200">
-                <a:solidFill>
-                  <a:schemeClr val="dk1"/>
-                </a:solidFill>
-                <a:latin typeface="Calibri"/>
-                <a:ea typeface="Calibri"/>
-                <a:cs typeface="Calibri"/>
-                <a:sym typeface="Calibri"/>
-              </a:rPr>
-              <a:t>Releases every 2-4 weeks, unusually conservative feature flagging, a dedicated infra team, an experimentation culture</a:t>
-            </a:r>
-            <a:endParaRPr sz="900">
+              <a:t>Cursor Tech Stack</a:t>
+            </a:r>
+            <a:endParaRPr sz="2000" b="1" i="0" u="none" strike="noStrike" cap="none">
               <a:solidFill>
                 <a:schemeClr val="dk1"/>
               </a:solidFill>
@@ -15815,14 +15412,14 @@
       </p:sp>
       <p:sp>
         <p:nvSpPr>
-          <p:cNvPr id="209" name="Google Shape;209;p25"/>
+          <p:cNvPr id="211" name="Google Shape;211;p25"/>
           <p:cNvSpPr txBox="1"/>
           <p:nvPr/>
         </p:nvSpPr>
         <p:spPr>
           <a:xfrm>
-            <a:off x="4586250" y="337050"/>
-            <a:ext cx="4440900" cy="4266600"/>
+            <a:off x="55075" y="1002439"/>
+            <a:ext cx="4440900" cy="4082100"/>
           </a:xfrm>
           <a:prstGeom prst="rect">
             <a:avLst/>
@@ -15846,26 +15443,66 @@
           </a:bodyPr>
           <a:lstStyle/>
           <a:p>
-            <a:pPr marL="171450" marR="0" lvl="0" indent="-114300" algn="l" rtl="0">
-              <a:lnSpc>
-                <a:spcPct val="100000"/>
-              </a:lnSpc>
-              <a:spcBef>
-                <a:spcPts val="0"/>
-              </a:spcBef>
-              <a:spcAft>
-                <a:spcPts val="0"/>
-              </a:spcAft>
-              <a:buClr>
-                <a:srgbClr val="3C78D8"/>
-              </a:buClr>
-              <a:buSzPts val="900"/>
+            <a:pPr marL="171450" marR="0" lvl="0" indent="-133350" algn="l" rtl="0">
+              <a:lnSpc>
+                <a:spcPct val="100000"/>
+              </a:lnSpc>
+              <a:spcBef>
+                <a:spcPts val="0"/>
+              </a:spcBef>
+              <a:spcAft>
+                <a:spcPts val="0"/>
+              </a:spcAft>
+              <a:buClr>
+                <a:srgbClr val="FF0000"/>
+              </a:buClr>
+              <a:buSzPts val="1200"/>
               <a:buFont typeface="Calibri"/>
               <a:buChar char="●"/>
             </a:pPr>
             <a:r>
               <a:rPr lang="en" sz="1200" b="1">
                 <a:solidFill>
+                  <a:srgbClr val="FF0000"/>
+                </a:solidFill>
+                <a:latin typeface="Calibri"/>
+                <a:ea typeface="Calibri"/>
+                <a:cs typeface="Calibri"/>
+                <a:sym typeface="Calibri"/>
+              </a:rPr>
+              <a:t>Cursor AI editor - 1 Mln queries per second</a:t>
+            </a:r>
+            <a:endParaRPr sz="1200" b="1">
+              <a:solidFill>
+                <a:srgbClr val="FF0000"/>
+              </a:solidFill>
+              <a:latin typeface="Calibri"/>
+              <a:ea typeface="Calibri"/>
+              <a:cs typeface="Calibri"/>
+              <a:sym typeface="Calibri"/>
+            </a:endParaRPr>
+          </a:p>
+          <a:p>
+            <a:pPr marL="171450" marR="0" lvl="0" indent="-133350" algn="l" rtl="0">
+              <a:lnSpc>
+                <a:spcPct val="100000"/>
+              </a:lnSpc>
+              <a:spcBef>
+                <a:spcPts val="0"/>
+              </a:spcBef>
+              <a:spcAft>
+                <a:spcPts val="0"/>
+              </a:spcAft>
+              <a:buClr>
+                <a:srgbClr val="3C78D8"/>
+              </a:buClr>
+              <a:buSzPts val="1200"/>
+              <a:buFont typeface="Calibri"/>
+              <a:buChar char="●"/>
+            </a:pPr>
+            <a:r>
+              <a:rPr lang="en" sz="1200">
+                <a:solidFill>
                   <a:srgbClr val="3C78D8"/>
                 </a:solidFill>
                 <a:latin typeface="Calibri"/>
@@ -15875,7 +15512,7 @@
               </a:rPr>
               <a:t>50 engineers working on Cursor</a:t>
             </a:r>
-            <a:endParaRPr sz="1200" b="1">
+            <a:endParaRPr sz="1200">
               <a:solidFill>
                 <a:srgbClr val="3C78D8"/>
               </a:solidFill>
@@ -15886,27 +15523,27 @@
             </a:endParaRPr>
           </a:p>
           <a:p>
-            <a:pPr marL="171450" marR="0" lvl="0" indent="-114300" algn="l" rtl="0">
-              <a:lnSpc>
-                <a:spcPct val="100000"/>
-              </a:lnSpc>
-              <a:spcBef>
-                <a:spcPts val="0"/>
-              </a:spcBef>
-              <a:spcAft>
-                <a:spcPts val="0"/>
-              </a:spcAft>
-              <a:buClr>
-                <a:schemeClr val="dk1"/>
-              </a:buClr>
-              <a:buSzPts val="900"/>
+            <a:pPr marL="171450" marR="0" lvl="0" indent="-133350" algn="l" rtl="0">
+              <a:lnSpc>
+                <a:spcPct val="100000"/>
+              </a:lnSpc>
+              <a:spcBef>
+                <a:spcPts val="0"/>
+              </a:spcBef>
+              <a:spcAft>
+                <a:spcPts val="0"/>
+              </a:spcAft>
+              <a:buClr>
+                <a:srgbClr val="3C78D8"/>
+              </a:buClr>
+              <a:buSzPts val="1200"/>
               <a:buFont typeface="Calibri"/>
               <a:buChar char="●"/>
             </a:pPr>
             <a:r>
               <a:rPr lang="en" sz="1200">
                 <a:solidFill>
-                  <a:schemeClr val="dk1"/>
+                  <a:srgbClr val="3C78D8"/>
                 </a:solidFill>
                 <a:latin typeface="Calibri"/>
                 <a:ea typeface="Calibri"/>
@@ -15917,7 +15554,7 @@
             </a:r>
             <a:endParaRPr sz="1200">
               <a:solidFill>
-                <a:schemeClr val="dk1"/>
+                <a:srgbClr val="3C78D8"/>
               </a:solidFill>
               <a:latin typeface="Calibri"/>
               <a:ea typeface="Calibri"/>
@@ -15926,27 +15563,27 @@
             </a:endParaRPr>
           </a:p>
           <a:p>
-            <a:pPr marL="171450" marR="0" lvl="0" indent="-114300" algn="l" rtl="0">
-              <a:lnSpc>
-                <a:spcPct val="100000"/>
-              </a:lnSpc>
-              <a:spcBef>
-                <a:spcPts val="0"/>
-              </a:spcBef>
-              <a:spcAft>
-                <a:spcPts val="0"/>
-              </a:spcAft>
-              <a:buClr>
-                <a:schemeClr val="dk1"/>
-              </a:buClr>
-              <a:buSzPts val="900"/>
+            <a:pPr marL="171450" marR="0" lvl="0" indent="-133350" algn="l" rtl="0">
+              <a:lnSpc>
+                <a:spcPct val="100000"/>
+              </a:lnSpc>
+              <a:spcBef>
+                <a:spcPts val="0"/>
+              </a:spcBef>
+              <a:spcAft>
+                <a:spcPts val="0"/>
+              </a:spcAft>
+              <a:buClr>
+                <a:srgbClr val="3C78D8"/>
+              </a:buClr>
+              <a:buSzPts val="1200"/>
               <a:buFont typeface="Calibri"/>
               <a:buChar char="●"/>
             </a:pPr>
             <a:r>
               <a:rPr lang="en" sz="1200">
                 <a:solidFill>
-                  <a:schemeClr val="dk1"/>
+                  <a:srgbClr val="3C78D8"/>
                 </a:solidFill>
                 <a:latin typeface="Calibri"/>
                 <a:ea typeface="Calibri"/>
@@ -15957,7 +15594,7 @@
             </a:r>
             <a:endParaRPr sz="1200">
               <a:solidFill>
-                <a:schemeClr val="dk1"/>
+                <a:srgbClr val="3C78D8"/>
               </a:solidFill>
               <a:latin typeface="Calibri"/>
               <a:ea typeface="Calibri"/>
@@ -15966,27 +15603,27 @@
             </a:endParaRPr>
           </a:p>
           <a:p>
-            <a:pPr marL="171450" marR="0" lvl="0" indent="-114300" algn="l" rtl="0">
-              <a:lnSpc>
-                <a:spcPct val="100000"/>
-              </a:lnSpc>
-              <a:spcBef>
-                <a:spcPts val="0"/>
-              </a:spcBef>
-              <a:spcAft>
-                <a:spcPts val="0"/>
-              </a:spcAft>
-              <a:buClr>
-                <a:schemeClr val="dk1"/>
-              </a:buClr>
-              <a:buSzPts val="900"/>
+            <a:pPr marL="171450" marR="0" lvl="0" indent="-133350" algn="l" rtl="0">
+              <a:lnSpc>
+                <a:spcPct val="100000"/>
+              </a:lnSpc>
+              <a:spcBef>
+                <a:spcPts val="0"/>
+              </a:spcBef>
+              <a:spcAft>
+                <a:spcPts val="0"/>
+              </a:spcAft>
+              <a:buClr>
+                <a:srgbClr val="3C78D8"/>
+              </a:buClr>
+              <a:buSzPts val="1200"/>
               <a:buFont typeface="Calibri"/>
               <a:buChar char="●"/>
             </a:pPr>
             <a:r>
               <a:rPr lang="en" sz="1200">
                 <a:solidFill>
-                  <a:schemeClr val="dk1"/>
+                  <a:srgbClr val="3C78D8"/>
                 </a:solidFill>
                 <a:latin typeface="Calibri"/>
                 <a:ea typeface="Calibri"/>
@@ -15997,7 +15634,7 @@
             </a:r>
             <a:endParaRPr sz="1200">
               <a:solidFill>
-                <a:schemeClr val="dk1"/>
+                <a:srgbClr val="3C78D8"/>
               </a:solidFill>
               <a:latin typeface="Calibri"/>
               <a:ea typeface="Calibri"/>
@@ -16006,27 +15643,27 @@
             </a:endParaRPr>
           </a:p>
           <a:p>
-            <a:pPr marL="171450" marR="0" lvl="0" indent="-114300" algn="l" rtl="0">
-              <a:lnSpc>
-                <a:spcPct val="100000"/>
-              </a:lnSpc>
-              <a:spcBef>
-                <a:spcPts val="0"/>
-              </a:spcBef>
-              <a:spcAft>
-                <a:spcPts val="0"/>
-              </a:spcAft>
-              <a:buClr>
-                <a:schemeClr val="dk1"/>
-              </a:buClr>
-              <a:buSzPts val="900"/>
+            <a:pPr marL="171450" marR="0" lvl="0" indent="-133350" algn="l" rtl="0">
+              <a:lnSpc>
+                <a:spcPct val="100000"/>
+              </a:lnSpc>
+              <a:spcBef>
+                <a:spcPts val="0"/>
+              </a:spcBef>
+              <a:spcAft>
+                <a:spcPts val="0"/>
+              </a:spcAft>
+              <a:buClr>
+                <a:srgbClr val="3C78D8"/>
+              </a:buClr>
+              <a:buSzPts val="1200"/>
               <a:buFont typeface="Calibri"/>
               <a:buChar char="●"/>
             </a:pPr>
             <a:r>
               <a:rPr lang="en" sz="1200">
                 <a:solidFill>
-                  <a:schemeClr val="dk1"/>
+                  <a:srgbClr val="3C78D8"/>
                 </a:solidFill>
                 <a:latin typeface="Calibri"/>
                 <a:ea typeface="Calibri"/>
@@ -16037,7 +15674,7 @@
             </a:r>
             <a:endParaRPr sz="1200">
               <a:solidFill>
-                <a:schemeClr val="dk1"/>
+                <a:srgbClr val="3C78D8"/>
               </a:solidFill>
               <a:latin typeface="Calibri"/>
               <a:ea typeface="Calibri"/>
@@ -16046,27 +15683,27 @@
             </a:endParaRPr>
           </a:p>
           <a:p>
-            <a:pPr marL="171450" marR="0" lvl="0" indent="-114300" algn="l" rtl="0">
-              <a:lnSpc>
-                <a:spcPct val="100000"/>
-              </a:lnSpc>
-              <a:spcBef>
-                <a:spcPts val="0"/>
-              </a:spcBef>
-              <a:spcAft>
-                <a:spcPts val="0"/>
-              </a:spcAft>
-              <a:buClr>
-                <a:schemeClr val="dk1"/>
-              </a:buClr>
-              <a:buSzPts val="900"/>
+            <a:pPr marL="171450" marR="0" lvl="0" indent="-133350" algn="l" rtl="0">
+              <a:lnSpc>
+                <a:spcPct val="100000"/>
+              </a:lnSpc>
+              <a:spcBef>
+                <a:spcPts val="0"/>
+              </a:spcBef>
+              <a:spcAft>
+                <a:spcPts val="0"/>
+              </a:spcAft>
+              <a:buClr>
+                <a:srgbClr val="3C78D8"/>
+              </a:buClr>
+              <a:buSzPts val="1200"/>
               <a:buFont typeface="Calibri"/>
               <a:buChar char="●"/>
             </a:pPr>
             <a:r>
               <a:rPr lang="en" sz="1200">
                 <a:solidFill>
-                  <a:schemeClr val="dk1"/>
+                  <a:srgbClr val="3C78D8"/>
                 </a:solidFill>
                 <a:latin typeface="Calibri"/>
                 <a:ea typeface="Calibri"/>
@@ -16074,6 +15711,87 @@
                 <a:sym typeface="Calibri"/>
               </a:rPr>
               <a:t>Hundreds of TBytes of embeddings in Cursor’s databases</a:t>
+            </a:r>
+            <a:endParaRPr sz="1200">
+              <a:solidFill>
+                <a:srgbClr val="3C78D8"/>
+              </a:solidFill>
+              <a:latin typeface="Calibri"/>
+              <a:ea typeface="Calibri"/>
+              <a:cs typeface="Calibri"/>
+              <a:sym typeface="Calibri"/>
+            </a:endParaRPr>
+          </a:p>
+          <a:p>
+            <a:pPr marL="171450" marR="0" lvl="0" indent="-133350" algn="l" rtl="0">
+              <a:lnSpc>
+                <a:spcPct val="100000"/>
+              </a:lnSpc>
+              <a:spcBef>
+                <a:spcPts val="0"/>
+              </a:spcBef>
+              <a:spcAft>
+                <a:spcPts val="0"/>
+              </a:spcAft>
+              <a:buClr>
+                <a:srgbClr val="3C78D8"/>
+              </a:buClr>
+              <a:buSzPts val="1200"/>
+              <a:buFont typeface="Calibri"/>
+              <a:buChar char="●"/>
+            </a:pPr>
+            <a:r>
+              <a:rPr lang="en" sz="1200">
+                <a:solidFill>
+                  <a:srgbClr val="3C78D8"/>
+                </a:solidFill>
+                <a:latin typeface="Calibri"/>
+                <a:ea typeface="Calibri"/>
+                <a:cs typeface="Calibri"/>
+                <a:sym typeface="Calibri"/>
+              </a:rPr>
+              <a:t>Code: 25,000 files, 7 million lines of code</a:t>
+            </a:r>
+            <a:endParaRPr sz="1200">
+              <a:solidFill>
+                <a:srgbClr val="3C78D8"/>
+              </a:solidFill>
+              <a:latin typeface="Calibri"/>
+              <a:ea typeface="Calibri"/>
+              <a:cs typeface="Calibri"/>
+              <a:sym typeface="Calibri"/>
+            </a:endParaRPr>
+          </a:p>
+          <a:p>
+            <a:pPr marL="171450" marR="0" lvl="0" indent="-133350" algn="l" rtl="0">
+              <a:lnSpc>
+                <a:spcPct val="100000"/>
+              </a:lnSpc>
+              <a:spcBef>
+                <a:spcPts val="0"/>
+              </a:spcBef>
+              <a:spcAft>
+                <a:spcPts val="0"/>
+              </a:spcAft>
+              <a:buClr>
+                <a:schemeClr val="dk1"/>
+              </a:buClr>
+              <a:buSzPts val="1200"/>
+              <a:buFont typeface="Calibri"/>
+              <a:buChar char="●"/>
+            </a:pPr>
+            <a:r>
+              <a:rPr lang="en" sz="1200" u="sng">
+                <a:solidFill>
+                  <a:schemeClr val="hlink"/>
+                </a:solidFill>
+                <a:latin typeface="Calibri"/>
+                <a:ea typeface="Calibri"/>
+                <a:cs typeface="Calibri"/>
+                <a:sym typeface="Calibri"/>
+                <a:hlinkClick r:id="rId3"/>
+              </a:rPr>
+              <a:t>https://newsletter.pragmaticengineer.com/p/cursor</a:t>
             </a:r>
             <a:endParaRPr sz="1200">
               <a:solidFill>
@@ -16097,15 +15815,74 @@
                 <a:spcPts val="0"/>
               </a:spcAft>
               <a:buClr>
-                <a:srgbClr val="3C78D8"/>
+                <a:schemeClr val="dk1"/>
               </a:buClr>
               <a:buSzPts val="1200"/>
               <a:buFont typeface="Calibri"/>
               <a:buChar char="●"/>
             </a:pPr>
             <a:r>
+              <a:rPr lang="en" sz="1200">
+                <a:solidFill>
+                  <a:schemeClr val="dk1"/>
+                </a:solidFill>
+                <a:latin typeface="Calibri"/>
+                <a:ea typeface="Calibri"/>
+                <a:cs typeface="Calibri"/>
+                <a:sym typeface="Calibri"/>
+              </a:rPr>
+              <a:t>Tech stack. </a:t>
+            </a:r>
+            <a:r>
               <a:rPr lang="en" sz="1200" b="1">
                 <a:solidFill>
+                  <a:srgbClr val="6AA84F"/>
+                </a:solidFill>
+                <a:latin typeface="Calibri"/>
+                <a:ea typeface="Calibri"/>
+                <a:cs typeface="Calibri"/>
+                <a:sym typeface="Calibri"/>
+              </a:rPr>
+              <a:t>TypeScript (+Electron)</a:t>
+            </a:r>
+            <a:r>
+              <a:rPr lang="en" sz="1200" b="1">
+                <a:solidFill>
+                  <a:srgbClr val="FF0000"/>
+                </a:solidFill>
+                <a:latin typeface="Calibri"/>
+                <a:ea typeface="Calibri"/>
+                <a:cs typeface="Calibri"/>
+                <a:sym typeface="Calibri"/>
+              </a:rPr>
+              <a:t> and Rust</a:t>
+            </a:r>
+            <a:r>
+              <a:rPr lang="en" sz="1200">
+                <a:solidFill>
+                  <a:schemeClr val="dk1"/>
+                </a:solidFill>
+                <a:latin typeface="Calibri"/>
+                <a:ea typeface="Calibri"/>
+                <a:cs typeface="Calibri"/>
+                <a:sym typeface="Calibri"/>
+              </a:rPr>
+              <a:t>, </a:t>
+            </a:r>
+            <a:br>
+              <a:rPr lang="en" sz="1200">
+                <a:solidFill>
+                  <a:schemeClr val="dk1"/>
+                </a:solidFill>
+                <a:latin typeface="Calibri"/>
+                <a:ea typeface="Calibri"/>
+                <a:cs typeface="Calibri"/>
+                <a:sym typeface="Calibri"/>
+              </a:rPr>
+            </a:br>
+            <a:r>
+              <a:rPr lang="en" sz="1200" b="1">
+                <a:solidFill>
                   <a:srgbClr val="3C78D8"/>
                 </a:solidFill>
                 <a:latin typeface="Calibri"/>
@@ -16113,7 +15890,7 @@
                 <a:cs typeface="Calibri"/>
                 <a:sym typeface="Calibri"/>
               </a:rPr>
-              <a:t>The backend service is mostly a large monolith, deployed as one</a:t>
+              <a:t>cloud providers (AWS, Azure), Turbopuffer (vector search), ...</a:t>
             </a:r>
             <a:endParaRPr sz="1200" b="1">
               <a:solidFill>
@@ -16137,13 +15914,105 @@
                 <a:spcPts val="0"/>
               </a:spcAft>
               <a:buClr>
-                <a:schemeClr val="dk1"/>
+                <a:srgbClr val="3C78D8"/>
               </a:buClr>
               <a:buSzPts val="1200"/>
               <a:buFont typeface="Calibri"/>
               <a:buChar char="●"/>
             </a:pPr>
             <a:r>
+              <a:rPr lang="en" sz="1200" b="1">
+                <a:solidFill>
+                  <a:srgbClr val="3C78D8"/>
+                </a:solidFill>
+                <a:latin typeface="Calibri"/>
+                <a:ea typeface="Calibri"/>
+                <a:cs typeface="Calibri"/>
+                <a:sym typeface="Calibri"/>
+              </a:rPr>
+              <a:t>The backend service is mostly a large monolith, deployed as one</a:t>
+            </a:r>
+            <a:endParaRPr sz="1200" b="1">
+              <a:solidFill>
+                <a:srgbClr val="3C78D8"/>
+              </a:solidFill>
+              <a:latin typeface="Calibri"/>
+              <a:ea typeface="Calibri"/>
+              <a:cs typeface="Calibri"/>
+              <a:sym typeface="Calibri"/>
+            </a:endParaRPr>
+          </a:p>
+          <a:p>
+            <a:pPr marL="171450" marR="0" lvl="0" indent="-133350" algn="l" rtl="0">
+              <a:lnSpc>
+                <a:spcPct val="100000"/>
+              </a:lnSpc>
+              <a:spcBef>
+                <a:spcPts val="0"/>
+              </a:spcBef>
+              <a:spcAft>
+                <a:spcPts val="0"/>
+              </a:spcAft>
+              <a:buClr>
+                <a:schemeClr val="dk1"/>
+              </a:buClr>
+              <a:buSzPts val="1200"/>
+              <a:buFont typeface="Calibri"/>
+              <a:buChar char="●"/>
+            </a:pPr>
+            <a:r>
+              <a:rPr lang="en" sz="1200" b="1">
+                <a:solidFill>
+                  <a:srgbClr val="FF0000"/>
+                </a:solidFill>
+                <a:latin typeface="Calibri"/>
+                <a:ea typeface="Calibri"/>
+                <a:cs typeface="Calibri"/>
+                <a:sym typeface="Calibri"/>
+              </a:rPr>
+              <a:t> Most of the CPU infra runs on AWS. They also operate tens of thousands of NVIDIA H100 GPUs (some on Azure)</a:t>
+            </a:r>
+            <a:endParaRPr sz="1200" b="1">
+              <a:solidFill>
+                <a:srgbClr val="FF0000"/>
+              </a:solidFill>
+              <a:latin typeface="Calibri"/>
+              <a:ea typeface="Calibri"/>
+              <a:cs typeface="Calibri"/>
+              <a:sym typeface="Calibri"/>
+            </a:endParaRPr>
+          </a:p>
+          <a:p>
+            <a:pPr marL="171450" marR="0" lvl="0" indent="-133350" algn="l" rtl="0">
+              <a:lnSpc>
+                <a:spcPct val="100000"/>
+              </a:lnSpc>
+              <a:spcBef>
+                <a:spcPts val="0"/>
+              </a:spcBef>
+              <a:spcAft>
+                <a:spcPts val="0"/>
+              </a:spcAft>
+              <a:buClr>
+                <a:schemeClr val="dk1"/>
+              </a:buClr>
+              <a:buSzPts val="1200"/>
+              <a:buFont typeface="Calibri"/>
+              <a:buChar char="●"/>
+            </a:pPr>
+            <a:r>
+              <a:rPr lang="en" sz="1200" b="1">
+                <a:solidFill>
+                  <a:srgbClr val="FF0000"/>
+                </a:solidFill>
+                <a:latin typeface="Calibri"/>
+                <a:ea typeface="Calibri"/>
+                <a:cs typeface="Calibri"/>
+                <a:sym typeface="Calibri"/>
+              </a:rPr>
+              <a:t>Anyrun</a:t>
+            </a:r>
+            <a:r>
               <a:rPr lang="en" sz="1200">
                 <a:solidFill>
                   <a:schemeClr val="dk1"/>
@@ -16153,7 +16022,417 @@
                 <a:cs typeface="Calibri"/>
                 <a:sym typeface="Calibri"/>
               </a:rPr>
-              <a:t>Most of the CPU infra runs on AWS. They also operate tens of thousands of NVIDIA H100 GPUs (some on Azure)</a:t>
+              <a:t>  - orchestrator component, written fully in </a:t>
+            </a:r>
+            <a:r>
+              <a:rPr lang="en" sz="1200" b="1">
+                <a:solidFill>
+                  <a:srgbClr val="FF0000"/>
+                </a:solidFill>
+                <a:latin typeface="Calibri"/>
+                <a:ea typeface="Calibri"/>
+                <a:cs typeface="Calibri"/>
+                <a:sym typeface="Calibri"/>
+              </a:rPr>
+              <a:t>Rust</a:t>
+            </a:r>
+            <a:r>
+              <a:rPr lang="en" sz="1200">
+                <a:solidFill>
+                  <a:schemeClr val="dk1"/>
+                </a:solidFill>
+                <a:latin typeface="Calibri"/>
+                <a:ea typeface="Calibri"/>
+                <a:cs typeface="Calibri"/>
+                <a:sym typeface="Calibri"/>
+              </a:rPr>
+              <a:t> (note - company name is </a:t>
+            </a:r>
+            <a:r>
+              <a:rPr lang="en" sz="1200" b="1">
+                <a:solidFill>
+                  <a:srgbClr val="FF0000"/>
+                </a:solidFill>
+                <a:latin typeface="Calibri"/>
+                <a:ea typeface="Calibri"/>
+                <a:cs typeface="Calibri"/>
+                <a:sym typeface="Calibri"/>
+              </a:rPr>
+              <a:t>Anysphere</a:t>
+            </a:r>
+            <a:r>
+              <a:rPr lang="en" sz="1200">
+                <a:solidFill>
+                  <a:schemeClr val="dk1"/>
+                </a:solidFill>
+                <a:latin typeface="Calibri"/>
+                <a:ea typeface="Calibri"/>
+                <a:cs typeface="Calibri"/>
+                <a:sym typeface="Calibri"/>
+              </a:rPr>
+              <a:t>). </a:t>
+            </a:r>
+            <a:r>
+              <a:rPr lang="en" sz="1200" b="1">
+                <a:solidFill>
+                  <a:srgbClr val="FF0000"/>
+                </a:solidFill>
+                <a:latin typeface="Calibri"/>
+                <a:ea typeface="Calibri"/>
+                <a:cs typeface="Calibri"/>
+                <a:sym typeface="Calibri"/>
+              </a:rPr>
+              <a:t>Anyrun </a:t>
+            </a:r>
+            <a:r>
+              <a:rPr lang="en" sz="1200">
+                <a:solidFill>
+                  <a:schemeClr val="dk1"/>
+                </a:solidFill>
+                <a:latin typeface="Calibri"/>
+                <a:ea typeface="Calibri"/>
+                <a:cs typeface="Calibri"/>
+                <a:sym typeface="Calibri"/>
+              </a:rPr>
+              <a:t>launches agents in the cloud using Amazon EC2 (Linux servers) and AWS Firecracker. Firecracker - secure, lightweight micro-virtual machines (microVMs) optimized for serverless and containerized workloads. It is written in Rust and leverages the Linux Kernel-based Virtual Machine (KVM)</a:t>
+            </a:r>
+            <a:endParaRPr sz="1200" b="1">
+              <a:solidFill>
+                <a:srgbClr val="FF0000"/>
+              </a:solidFill>
+              <a:latin typeface="Calibri"/>
+              <a:ea typeface="Calibri"/>
+              <a:cs typeface="Calibri"/>
+              <a:sym typeface="Calibri"/>
+            </a:endParaRPr>
+          </a:p>
+        </p:txBody>
+      </p:sp>
+      <p:sp>
+        <p:nvSpPr>
+          <p:cNvPr id="212" name="Google Shape;212;p25"/>
+          <p:cNvSpPr txBox="1"/>
+          <p:nvPr/>
+        </p:nvSpPr>
+        <p:spPr>
+          <a:xfrm>
+            <a:off x="4554450" y="1008060"/>
+            <a:ext cx="4544100" cy="2419500"/>
+          </a:xfrm>
+          <a:prstGeom prst="rect">
+            <a:avLst/>
+          </a:prstGeom>
+          <a:solidFill>
+            <a:srgbClr val="FFF2CC"/>
+          </a:solidFill>
+          <a:ln w="9525" cap="flat" cmpd="sng">
+            <a:solidFill>
+              <a:srgbClr val="FF0000"/>
+            </a:solidFill>
+            <a:prstDash val="solid"/>
+            <a:round/>
+            <a:headEnd type="none" w="sm" len="sm"/>
+            <a:tailEnd type="none" w="sm" len="sm"/>
+          </a:ln>
+        </p:spPr>
+        <p:txBody>
+          <a:bodyPr spcFirstLastPara="1" wrap="square" lIns="9125" tIns="9125" rIns="9125" bIns="9125" anchor="t" anchorCtr="0">
+            <a:spAutoFit/>
+          </a:bodyPr>
+          <a:lstStyle/>
+          <a:p>
+            <a:pPr marL="171450" lvl="0" indent="-133350" algn="l" rtl="0">
+              <a:spcBef>
+                <a:spcPts val="0"/>
+              </a:spcBef>
+              <a:spcAft>
+                <a:spcPts val="0"/>
+              </a:spcAft>
+              <a:buClr>
+                <a:schemeClr val="dk1"/>
+              </a:buClr>
+              <a:buSzPts val="1200"/>
+              <a:buFont typeface="Calibri"/>
+              <a:buChar char="●"/>
+            </a:pPr>
+            <a:r>
+              <a:rPr lang="en" sz="1200">
+                <a:solidFill>
+                  <a:schemeClr val="dk1"/>
+                </a:solidFill>
+                <a:latin typeface="Calibri"/>
+                <a:ea typeface="Calibri"/>
+                <a:cs typeface="Calibri"/>
+                <a:sym typeface="Calibri"/>
+              </a:rPr>
+              <a:t>Autocomplete is generated on GPUs using </a:t>
+            </a:r>
+            <a:r>
+              <a:rPr lang="en" sz="1200" b="1">
+                <a:solidFill>
+                  <a:srgbClr val="FF0000"/>
+                </a:solidFill>
+                <a:latin typeface="Calibri"/>
+                <a:ea typeface="Calibri"/>
+                <a:cs typeface="Calibri"/>
+                <a:sym typeface="Calibri"/>
+              </a:rPr>
+              <a:t>Cursor’s in-house LLM model</a:t>
+            </a:r>
+            <a:endParaRPr sz="1200">
+              <a:solidFill>
+                <a:schemeClr val="dk1"/>
+              </a:solidFill>
+              <a:latin typeface="Calibri"/>
+              <a:ea typeface="Calibri"/>
+              <a:cs typeface="Calibri"/>
+              <a:sym typeface="Calibri"/>
+            </a:endParaRPr>
+          </a:p>
+          <a:p>
+            <a:pPr marL="171450" lvl="0" indent="-133350" algn="l" rtl="0">
+              <a:spcBef>
+                <a:spcPts val="0"/>
+              </a:spcBef>
+              <a:spcAft>
+                <a:spcPts val="0"/>
+              </a:spcAft>
+              <a:buClr>
+                <a:schemeClr val="dk1"/>
+              </a:buClr>
+              <a:buSzPts val="1200"/>
+              <a:buFont typeface="Calibri"/>
+              <a:buChar char="●"/>
+            </a:pPr>
+            <a:r>
+              <a:rPr lang="en" sz="1200">
+                <a:solidFill>
+                  <a:schemeClr val="dk1"/>
+                </a:solidFill>
+                <a:latin typeface="Calibri"/>
+                <a:ea typeface="Calibri"/>
+                <a:cs typeface="Calibri"/>
+                <a:sym typeface="Calibri"/>
+              </a:rPr>
+              <a:t>Cursor sends obfuscated filenames and encrypted code chunks to the server. The server decrypts the code, creates an embedding using </a:t>
+            </a:r>
+            <a:r>
+              <a:rPr lang="en" sz="1200" b="1">
+                <a:solidFill>
+                  <a:srgbClr val="FF0000"/>
+                </a:solidFill>
+                <a:latin typeface="Calibri"/>
+                <a:ea typeface="Calibri"/>
+                <a:cs typeface="Calibri"/>
+                <a:sym typeface="Calibri"/>
+              </a:rPr>
+              <a:t>OpenAI’s embedding models</a:t>
+            </a:r>
+            <a:r>
+              <a:rPr lang="en" sz="1200">
+                <a:solidFill>
+                  <a:schemeClr val="dk1"/>
+                </a:solidFill>
+                <a:latin typeface="Calibri"/>
+                <a:ea typeface="Calibri"/>
+                <a:cs typeface="Calibri"/>
+                <a:sym typeface="Calibri"/>
+              </a:rPr>
+              <a:t>, </a:t>
+            </a:r>
+            <a:r>
+              <a:rPr lang="en" sz="1200" b="1">
+                <a:solidFill>
+                  <a:srgbClr val="FF0000"/>
+                </a:solidFill>
+                <a:latin typeface="Calibri"/>
+                <a:ea typeface="Calibri"/>
+                <a:cs typeface="Calibri"/>
+                <a:sym typeface="Calibri"/>
+              </a:rPr>
+              <a:t>or one of their own</a:t>
+            </a:r>
+            <a:r>
+              <a:rPr lang="en" sz="1200">
+                <a:solidFill>
+                  <a:schemeClr val="dk1"/>
+                </a:solidFill>
+                <a:latin typeface="Calibri"/>
+                <a:ea typeface="Calibri"/>
+                <a:cs typeface="Calibri"/>
+                <a:sym typeface="Calibri"/>
+              </a:rPr>
+              <a:t>, and stores the embedding in their vector database, </a:t>
+            </a:r>
+            <a:r>
+              <a:rPr lang="en" sz="1200" b="1">
+                <a:solidFill>
+                  <a:srgbClr val="FF0000"/>
+                </a:solidFill>
+                <a:latin typeface="Calibri"/>
+                <a:ea typeface="Calibri"/>
+                <a:cs typeface="Calibri"/>
+                <a:sym typeface="Calibri"/>
+              </a:rPr>
+              <a:t>Turbopuffer</a:t>
+            </a:r>
+            <a:r>
+              <a:rPr lang="en" sz="1200">
+                <a:solidFill>
+                  <a:schemeClr val="dk1"/>
+                </a:solidFill>
+                <a:latin typeface="Calibri"/>
+                <a:ea typeface="Calibri"/>
+                <a:cs typeface="Calibri"/>
+                <a:sym typeface="Calibri"/>
+              </a:rPr>
+              <a:t> (vector and full text search, very fast, affordable)</a:t>
+            </a:r>
+            <a:endParaRPr sz="1200">
+              <a:solidFill>
+                <a:schemeClr val="dk1"/>
+              </a:solidFill>
+              <a:latin typeface="Calibri"/>
+              <a:ea typeface="Calibri"/>
+              <a:cs typeface="Calibri"/>
+              <a:sym typeface="Calibri"/>
+            </a:endParaRPr>
+          </a:p>
+          <a:p>
+            <a:pPr marL="171450" lvl="0" indent="-133350" algn="l" rtl="0">
+              <a:spcBef>
+                <a:spcPts val="0"/>
+              </a:spcBef>
+              <a:spcAft>
+                <a:spcPts val="0"/>
+              </a:spcAft>
+              <a:buClr>
+                <a:schemeClr val="dk1"/>
+              </a:buClr>
+              <a:buSzPts val="1200"/>
+              <a:buFont typeface="Calibri"/>
+              <a:buChar char="●"/>
+            </a:pPr>
+            <a:r>
+              <a:rPr lang="en" sz="1200">
+                <a:solidFill>
+                  <a:schemeClr val="dk1"/>
+                </a:solidFill>
+                <a:latin typeface="Calibri"/>
+                <a:ea typeface="Calibri"/>
+                <a:cs typeface="Calibri"/>
+                <a:sym typeface="Calibri"/>
+              </a:rPr>
+              <a:t>Cursor uses </a:t>
+            </a:r>
+            <a:r>
+              <a:rPr lang="en" sz="1200" b="1">
+                <a:solidFill>
+                  <a:srgbClr val="FF0000"/>
+                </a:solidFill>
+                <a:latin typeface="Calibri"/>
+                <a:ea typeface="Calibri"/>
+                <a:cs typeface="Calibri"/>
+                <a:sym typeface="Calibri"/>
+              </a:rPr>
+              <a:t>Merkle trees</a:t>
+            </a:r>
+            <a:r>
+              <a:rPr lang="en" sz="1200">
+                <a:solidFill>
+                  <a:schemeClr val="dk1"/>
+                </a:solidFill>
+                <a:latin typeface="Calibri"/>
+                <a:ea typeface="Calibri"/>
+                <a:cs typeface="Calibri"/>
+                <a:sym typeface="Calibri"/>
+              </a:rPr>
+              <a:t> to search code using embeddings</a:t>
+            </a:r>
+            <a:endParaRPr sz="1200">
+              <a:solidFill>
+                <a:schemeClr val="dk1"/>
+              </a:solidFill>
+              <a:latin typeface="Calibri"/>
+              <a:ea typeface="Calibri"/>
+              <a:cs typeface="Calibri"/>
+              <a:sym typeface="Calibri"/>
+            </a:endParaRPr>
+          </a:p>
+          <a:p>
+            <a:pPr marL="171450" lvl="0" indent="-133350" algn="l" rtl="0">
+              <a:spcBef>
+                <a:spcPts val="0"/>
+              </a:spcBef>
+              <a:spcAft>
+                <a:spcPts val="0"/>
+              </a:spcAft>
+              <a:buClr>
+                <a:schemeClr val="dk1"/>
+              </a:buClr>
+              <a:buSzPts val="1200"/>
+              <a:buFont typeface="Calibri"/>
+              <a:buChar char="●"/>
+            </a:pPr>
+            <a:r>
+              <a:rPr lang="en" sz="1200">
+                <a:solidFill>
+                  <a:schemeClr val="dk1"/>
+                </a:solidFill>
+                <a:latin typeface="Calibri"/>
+                <a:ea typeface="Calibri"/>
+                <a:cs typeface="Calibri"/>
+                <a:sym typeface="Calibri"/>
+              </a:rPr>
+              <a:t>A </a:t>
+            </a:r>
+            <a:r>
+              <a:rPr lang="en" sz="1200" b="1">
+                <a:solidFill>
+                  <a:srgbClr val="FF0000"/>
+                </a:solidFill>
+                <a:latin typeface="Calibri"/>
+                <a:ea typeface="Calibri"/>
+                <a:cs typeface="Calibri"/>
+                <a:sym typeface="Calibri"/>
+              </a:rPr>
+              <a:t>Merkle tree</a:t>
+            </a:r>
+            <a:r>
+              <a:rPr lang="en" sz="1200">
+                <a:solidFill>
+                  <a:schemeClr val="dk1"/>
+                </a:solidFill>
+                <a:latin typeface="Calibri"/>
+                <a:ea typeface="Calibri"/>
+                <a:cs typeface="Calibri"/>
+                <a:sym typeface="Calibri"/>
+              </a:rPr>
+              <a:t> is a tree whose </a:t>
+            </a:r>
+            <a:r>
+              <a:rPr lang="en" sz="1200" b="1">
+                <a:solidFill>
+                  <a:srgbClr val="6AA84F"/>
+                </a:solidFill>
+                <a:latin typeface="Calibri"/>
+                <a:ea typeface="Calibri"/>
+                <a:cs typeface="Calibri"/>
+                <a:sym typeface="Calibri"/>
+              </a:rPr>
+              <a:t>every leaf is the cryptographic hash of the underlying file</a:t>
+            </a:r>
+            <a:r>
+              <a:rPr lang="en" sz="1200">
+                <a:solidFill>
+                  <a:schemeClr val="dk1"/>
+                </a:solidFill>
+                <a:latin typeface="Calibri"/>
+                <a:ea typeface="Calibri"/>
+                <a:cs typeface="Calibri"/>
+                <a:sym typeface="Calibri"/>
+              </a:rPr>
+              <a:t> (e.g. the hash for the file main.js). And every node is a combination of the hashes of its children.</a:t>
             </a:r>
             <a:endParaRPr sz="1200">
               <a:solidFill>
@@ -16193,7 +16472,7 @@
                 <a:cs typeface="Calibri"/>
                 <a:sym typeface="Calibri"/>
               </a:rPr>
-              <a:t>Autocomplete is generated using </a:t>
+              <a:t>Database - </a:t>
             </a:r>
             <a:r>
               <a:rPr lang="en" sz="1200" b="1">
@@ -16205,36 +16484,8 @@
                 <a:cs typeface="Calibri"/>
                 <a:sym typeface="Calibri"/>
               </a:rPr>
-              <a:t>Cursor’s in-house LLM model</a:t>
-            </a:r>
-            <a:endParaRPr sz="1200" b="1">
-              <a:solidFill>
-                <a:srgbClr val="FF0000"/>
-              </a:solidFill>
-              <a:latin typeface="Calibri"/>
-              <a:ea typeface="Calibri"/>
-              <a:cs typeface="Calibri"/>
-              <a:sym typeface="Calibri"/>
-            </a:endParaRPr>
-          </a:p>
-          <a:p>
-            <a:pPr marL="171450" marR="0" lvl="0" indent="-133350" algn="l" rtl="0">
-              <a:lnSpc>
-                <a:spcPct val="100000"/>
-              </a:lnSpc>
-              <a:spcBef>
-                <a:spcPts val="0"/>
-              </a:spcBef>
-              <a:spcAft>
-                <a:spcPts val="0"/>
-              </a:spcAft>
-              <a:buClr>
-                <a:schemeClr val="dk1"/>
-              </a:buClr>
-              <a:buSzPts val="1200"/>
-              <a:buFont typeface="Calibri"/>
-              <a:buChar char="●"/>
-            </a:pPr>
+              <a:t>Turbopuffer</a:t>
+            </a:r>
             <a:r>
               <a:rPr lang="en" sz="1200">
                 <a:solidFill>
@@ -16245,230 +16496,7 @@
                 <a:cs typeface="Calibri"/>
                 <a:sym typeface="Calibri"/>
               </a:rPr>
-              <a:t>Cursor doesn’t want to store the filenames on the server because it can be considered confidential information. Instead, it sends over obfuscated filenames and encrypted code chunks to the server. The </a:t>
-            </a:r>
-            <a:r>
-              <a:rPr lang="en" sz="1200" b="1">
-                <a:solidFill>
-                  <a:srgbClr val="3C78D8"/>
-                </a:solidFill>
-                <a:latin typeface="Calibri"/>
-                <a:ea typeface="Calibri"/>
-                <a:cs typeface="Calibri"/>
-                <a:sym typeface="Calibri"/>
-              </a:rPr>
-              <a:t>server decrypts the code, creates an embedding using OpenAI’s embedding models, or one of their own, and stores the embedding in their vector database, Turbopuffer.</a:t>
-            </a:r>
-            <a:endParaRPr sz="1200" b="1">
-              <a:solidFill>
-                <a:srgbClr val="3C78D8"/>
-              </a:solidFill>
-              <a:latin typeface="Calibri"/>
-              <a:ea typeface="Calibri"/>
-              <a:cs typeface="Calibri"/>
-              <a:sym typeface="Calibri"/>
-            </a:endParaRPr>
-          </a:p>
-          <a:p>
-            <a:pPr marL="171450" marR="0" lvl="0" indent="-133350" algn="l" rtl="0">
-              <a:lnSpc>
-                <a:spcPct val="100000"/>
-              </a:lnSpc>
-              <a:spcBef>
-                <a:spcPts val="0"/>
-              </a:spcBef>
-              <a:spcAft>
-                <a:spcPts val="0"/>
-              </a:spcAft>
-              <a:buClr>
-                <a:schemeClr val="dk1"/>
-              </a:buClr>
-              <a:buSzPts val="1200"/>
-              <a:buFont typeface="Calibri"/>
-              <a:buChar char="●"/>
-            </a:pPr>
-            <a:r>
-              <a:rPr lang="en" sz="1200">
-                <a:solidFill>
-                  <a:schemeClr val="dk1"/>
-                </a:solidFill>
-                <a:latin typeface="Calibri"/>
-                <a:ea typeface="Calibri"/>
-                <a:cs typeface="Calibri"/>
-                <a:sym typeface="Calibri"/>
-              </a:rPr>
-              <a:t>A </a:t>
-            </a:r>
-            <a:r>
-              <a:rPr lang="en" sz="1200" b="1">
-                <a:solidFill>
-                  <a:srgbClr val="FF0000"/>
-                </a:solidFill>
-                <a:latin typeface="Calibri"/>
-                <a:ea typeface="Calibri"/>
-                <a:cs typeface="Calibri"/>
-                <a:sym typeface="Calibri"/>
-              </a:rPr>
-              <a:t>Merkle tree</a:t>
-            </a:r>
-            <a:r>
-              <a:rPr lang="en" sz="1200">
-                <a:solidFill>
-                  <a:schemeClr val="dk1"/>
-                </a:solidFill>
-                <a:latin typeface="Calibri"/>
-                <a:ea typeface="Calibri"/>
-                <a:cs typeface="Calibri"/>
-                <a:sym typeface="Calibri"/>
-              </a:rPr>
-              <a:t> is a tree whose </a:t>
-            </a:r>
-            <a:r>
-              <a:rPr lang="en" sz="1200" b="1">
-                <a:solidFill>
-                  <a:srgbClr val="6AA84F"/>
-                </a:solidFill>
-                <a:latin typeface="Calibri"/>
-                <a:ea typeface="Calibri"/>
-                <a:cs typeface="Calibri"/>
-                <a:sym typeface="Calibri"/>
-              </a:rPr>
-              <a:t>every leaf is the cryptographic hash of the underlying file</a:t>
-            </a:r>
-            <a:r>
-              <a:rPr lang="en" sz="1200">
-                <a:solidFill>
-                  <a:schemeClr val="dk1"/>
-                </a:solidFill>
-                <a:latin typeface="Calibri"/>
-                <a:ea typeface="Calibri"/>
-                <a:cs typeface="Calibri"/>
-                <a:sym typeface="Calibri"/>
-              </a:rPr>
-              <a:t> (e.g. the hash for the file main.js). And every node is a combination of the hashes of its children.</a:t>
-            </a:r>
-            <a:endParaRPr sz="1200">
-              <a:solidFill>
-                <a:schemeClr val="dk1"/>
-              </a:solidFill>
-              <a:latin typeface="Calibri"/>
-              <a:ea typeface="Calibri"/>
-              <a:cs typeface="Calibri"/>
-              <a:sym typeface="Calibri"/>
-            </a:endParaRPr>
-          </a:p>
-          <a:p>
-            <a:pPr marL="171450" marR="0" lvl="0" indent="-133350" algn="l" rtl="0">
-              <a:lnSpc>
-                <a:spcPct val="100000"/>
-              </a:lnSpc>
-              <a:spcBef>
-                <a:spcPts val="0"/>
-              </a:spcBef>
-              <a:spcAft>
-                <a:spcPts val="0"/>
-              </a:spcAft>
-              <a:buClr>
-                <a:schemeClr val="dk1"/>
-              </a:buClr>
-              <a:buSzPts val="1200"/>
-              <a:buFont typeface="Calibri"/>
-              <a:buChar char="●"/>
-            </a:pPr>
-            <a:r>
-              <a:rPr lang="en" sz="1200" b="1">
-                <a:solidFill>
-                  <a:srgbClr val="FF0000"/>
-                </a:solidFill>
-                <a:latin typeface="Calibri"/>
-                <a:ea typeface="Calibri"/>
-                <a:cs typeface="Calibri"/>
-                <a:sym typeface="Calibri"/>
-              </a:rPr>
-              <a:t>Anyrun</a:t>
-            </a:r>
-            <a:r>
-              <a:rPr lang="en" sz="1200">
-                <a:solidFill>
-                  <a:schemeClr val="dk1"/>
-                </a:solidFill>
-                <a:latin typeface="Calibri"/>
-                <a:ea typeface="Calibri"/>
-                <a:cs typeface="Calibri"/>
-                <a:sym typeface="Calibri"/>
-              </a:rPr>
-              <a:t>  - orchestrator component, written fully in </a:t>
-            </a:r>
-            <a:r>
-              <a:rPr lang="en" sz="1200" b="1">
-                <a:solidFill>
-                  <a:srgbClr val="FF0000"/>
-                </a:solidFill>
-                <a:latin typeface="Calibri"/>
-                <a:ea typeface="Calibri"/>
-                <a:cs typeface="Calibri"/>
-                <a:sym typeface="Calibri"/>
-              </a:rPr>
-              <a:t>Rust</a:t>
-            </a:r>
-            <a:r>
-              <a:rPr lang="en" sz="1200">
-                <a:solidFill>
-                  <a:schemeClr val="dk1"/>
-                </a:solidFill>
-                <a:latin typeface="Calibri"/>
-                <a:ea typeface="Calibri"/>
-                <a:cs typeface="Calibri"/>
-                <a:sym typeface="Calibri"/>
-              </a:rPr>
-              <a:t>. </a:t>
-            </a:r>
-            <a:br>
-              <a:rPr lang="en" sz="1200">
-                <a:solidFill>
-                  <a:schemeClr val="dk1"/>
-                </a:solidFill>
-                <a:latin typeface="Calibri"/>
-                <a:ea typeface="Calibri"/>
-                <a:cs typeface="Calibri"/>
-                <a:sym typeface="Calibri"/>
-              </a:rPr>
-            </a:br>
-            <a:r>
-              <a:rPr lang="en" sz="1200">
-                <a:solidFill>
-                  <a:schemeClr val="dk1"/>
-                </a:solidFill>
-                <a:latin typeface="Calibri"/>
-                <a:ea typeface="Calibri"/>
-                <a:cs typeface="Calibri"/>
-                <a:sym typeface="Calibri"/>
-              </a:rPr>
-              <a:t>Fun fact: “Anyrun” is a nod to Cursor’s company name, </a:t>
-            </a:r>
-            <a:r>
-              <a:rPr lang="en" sz="1200" b="1">
-                <a:solidFill>
-                  <a:srgbClr val="FF0000"/>
-                </a:solidFill>
-                <a:latin typeface="Calibri"/>
-                <a:ea typeface="Calibri"/>
-                <a:cs typeface="Calibri"/>
-                <a:sym typeface="Calibri"/>
-              </a:rPr>
-              <a:t>Anysphere</a:t>
-            </a:r>
-            <a:r>
-              <a:rPr lang="en" sz="1200">
-                <a:solidFill>
-                  <a:schemeClr val="dk1"/>
-                </a:solidFill>
-                <a:latin typeface="Calibri"/>
-                <a:ea typeface="Calibri"/>
-                <a:cs typeface="Calibri"/>
-                <a:sym typeface="Calibri"/>
-              </a:rPr>
-              <a:t>.</a:t>
+              <a:t> for "code" search, Pinecone for documentation search. Also PostgresSQL. </a:t>
             </a:r>
             <a:endParaRPr sz="1200">
               <a:solidFill>
@@ -16482,6 +16510,39 @@
           </a:p>
         </p:txBody>
       </p:sp>
+      <p:pic>
+        <p:nvPicPr>
+          <p:cNvPr id="213" name="Google Shape;213;p25"/>
+          <p:cNvPicPr preferRelativeResize="0"/>
+          <p:nvPr/>
+        </p:nvPicPr>
+        <p:blipFill>
+          <a:blip r:embed="rId4" cstate="email">
+            <a:alphaModFix/>
+            <a:extLst>
+              <a:ext uri="{28A0092B-C50C-407E-A947-70E740481C1C}">
+                <a14:useLocalDpi xmlns:a14="http://schemas.microsoft.com/office/drawing/2010/main"/>
+              </a:ext>
+            </a:extLst>
+          </a:blip>
+          <a:stretch>
+            <a:fillRect/>
+          </a:stretch>
+        </p:blipFill>
+        <p:spPr>
+          <a:xfrm>
+            <a:off x="3209900" y="36071"/>
+            <a:ext cx="2816625" cy="704150"/>
+          </a:xfrm>
+          <a:prstGeom prst="rect">
+            <a:avLst/>
+          </a:prstGeom>
+          <a:noFill/>
+          <a:ln>
+            <a:noFill/>
+          </a:ln>
+        </p:spPr>
+      </p:pic>
     </p:spTree>
   </p:cSld>
   <p:clrMapOvr>
@@ -16495,7 +16556,7 @@
   <p:cSld>
     <p:spTree>
       <p:nvGrpSpPr>
-        <p:cNvPr id="1" name="Shape 213"/>
+        <p:cNvPr id="1" name="Shape 217"/>
         <p:cNvGrpSpPr/>
         <p:nvPr/>
       </p:nvGrpSpPr>
@@ -16509,7 +16570,7 @@
       </p:grpSpPr>
       <p:sp>
         <p:nvSpPr>
-          <p:cNvPr id="214" name="Google Shape;214;p26"/>
+          <p:cNvPr id="218" name="Google Shape;218;p26"/>
           <p:cNvSpPr txBox="1"/>
           <p:nvPr/>
         </p:nvSpPr>
@@ -16575,7 +16636,7 @@
       </p:sp>
       <p:sp>
         <p:nvSpPr>
-          <p:cNvPr id="215" name="Google Shape;215;p26"/>
+          <p:cNvPr id="219" name="Google Shape;219;p26"/>
           <p:cNvSpPr txBox="1"/>
           <p:nvPr/>
         </p:nvSpPr>
@@ -17090,7 +17151,7 @@
       </p:sp>
       <p:pic>
         <p:nvPicPr>
-          <p:cNvPr id="216" name="Google Shape;216;p26"/>
+          <p:cNvPr id="220" name="Google Shape;220;p26"/>
           <p:cNvPicPr preferRelativeResize="0"/>
           <p:nvPr/>
         </p:nvPicPr>
@@ -17129,7 +17190,7 @@
       </p:pic>
       <p:pic>
         <p:nvPicPr>
-          <p:cNvPr id="217" name="Google Shape;217;p26"/>
+          <p:cNvPr id="221" name="Google Shape;221;p26"/>
           <p:cNvPicPr preferRelativeResize="0"/>
           <p:nvPr/>
         </p:nvPicPr>
@@ -17179,7 +17240,7 @@
   <p:cSld>
     <p:spTree>
       <p:nvGrpSpPr>
-        <p:cNvPr id="1" name="Shape 221"/>
+        <p:cNvPr id="1" name="Shape 225"/>
         <p:cNvGrpSpPr/>
         <p:nvPr/>
       </p:nvGrpSpPr>
@@ -17193,7 +17254,7 @@
       </p:grpSpPr>
       <p:sp>
         <p:nvSpPr>
-          <p:cNvPr id="222" name="Google Shape;222;p27"/>
+          <p:cNvPr id="226" name="Google Shape;226;p27"/>
           <p:cNvSpPr txBox="1"/>
           <p:nvPr/>
         </p:nvSpPr>
@@ -17259,7 +17320,7 @@
       </p:sp>
       <p:sp>
         <p:nvSpPr>
-          <p:cNvPr id="223" name="Google Shape;223;p27"/>
+          <p:cNvPr id="227" name="Google Shape;227;p27"/>
           <p:cNvSpPr txBox="1"/>
           <p:nvPr/>
         </p:nvSpPr>
@@ -17864,7 +17925,7 @@
       </p:sp>
       <p:sp>
         <p:nvSpPr>
-          <p:cNvPr id="224" name="Google Shape;224;p27"/>
+          <p:cNvPr id="228" name="Google Shape;228;p27"/>
           <p:cNvSpPr txBox="1"/>
           <p:nvPr/>
         </p:nvSpPr>
@@ -18269,7 +18330,7 @@
   <p:cSld>
     <p:spTree>
       <p:nvGrpSpPr>
-        <p:cNvPr id="1" name="Shape 228"/>
+        <p:cNvPr id="1" name="Shape 232"/>
         <p:cNvGrpSpPr/>
         <p:nvPr/>
       </p:nvGrpSpPr>
@@ -18283,7 +18344,7 @@
       </p:grpSpPr>
       <p:sp>
         <p:nvSpPr>
-          <p:cNvPr id="229" name="Google Shape;229;p28"/>
+          <p:cNvPr id="233" name="Google Shape;233;p28"/>
           <p:cNvSpPr txBox="1"/>
           <p:nvPr/>
         </p:nvSpPr>
@@ -18349,7 +18410,7 @@
       </p:sp>
       <p:sp>
         <p:nvSpPr>
-          <p:cNvPr id="230" name="Google Shape;230;p28"/>
+          <p:cNvPr id="234" name="Google Shape;234;p28"/>
           <p:cNvSpPr txBox="1"/>
           <p:nvPr/>
         </p:nvSpPr>
@@ -18519,7 +18580,7 @@
       </p:sp>
       <p:pic>
         <p:nvPicPr>
-          <p:cNvPr id="231" name="Google Shape;231;p28"/>
+          <p:cNvPr id="235" name="Google Shape;235;p28"/>
           <p:cNvPicPr preferRelativeResize="0"/>
           <p:nvPr/>
         </p:nvPicPr>
@@ -18553,7 +18614,7 @@
       </p:pic>
       <p:sp>
         <p:nvSpPr>
-          <p:cNvPr id="232" name="Google Shape;232;p28"/>
+          <p:cNvPr id="236" name="Google Shape;236;p28"/>
           <p:cNvSpPr txBox="1"/>
           <p:nvPr/>
         </p:nvSpPr>
@@ -18859,7 +18920,7 @@
       </p:sp>
       <p:sp>
         <p:nvSpPr>
-          <p:cNvPr id="233" name="Google Shape;233;p28"/>
+          <p:cNvPr id="237" name="Google Shape;237;p28"/>
           <p:cNvSpPr txBox="1"/>
           <p:nvPr/>
         </p:nvSpPr>
@@ -19040,7 +19101,7 @@
   <p:cSld>
     <p:spTree>
       <p:nvGrpSpPr>
-        <p:cNvPr id="1" name="Shape 237"/>
+        <p:cNvPr id="1" name="Shape 241"/>
         <p:cNvGrpSpPr/>
         <p:nvPr/>
       </p:nvGrpSpPr>
@@ -19054,7 +19115,7 @@
       </p:grpSpPr>
       <p:sp>
         <p:nvSpPr>
-          <p:cNvPr id="238" name="Google Shape;238;p29"/>
+          <p:cNvPr id="242" name="Google Shape;242;p29"/>
           <p:cNvSpPr txBox="1"/>
           <p:nvPr/>
         </p:nvSpPr>
@@ -19120,7 +19181,7 @@
       </p:sp>
       <p:sp>
         <p:nvSpPr>
-          <p:cNvPr id="239" name="Google Shape;239;p29"/>
+          <p:cNvPr id="243" name="Google Shape;243;p29"/>
           <p:cNvSpPr txBox="1"/>
           <p:nvPr/>
         </p:nvSpPr>
@@ -19380,7 +19441,7 @@
       </p:sp>
       <p:sp>
         <p:nvSpPr>
-          <p:cNvPr id="240" name="Google Shape;240;p29"/>
+          <p:cNvPr id="244" name="Google Shape;244;p29"/>
           <p:cNvSpPr txBox="1"/>
           <p:nvPr/>
         </p:nvSpPr>
@@ -19737,7 +19798,7 @@
       </p:sp>
       <p:pic>
         <p:nvPicPr>
-          <p:cNvPr id="241" name="Google Shape;241;p29"/>
+          <p:cNvPr id="245" name="Google Shape;245;p29"/>
           <p:cNvPicPr preferRelativeResize="0"/>
           <p:nvPr/>
         </p:nvPicPr>
@@ -19787,7 +19848,7 @@
   <p:cSld>
     <p:spTree>
       <p:nvGrpSpPr>
-        <p:cNvPr id="1" name="Shape 245"/>
+        <p:cNvPr id="1" name="Shape 249"/>
         <p:cNvGrpSpPr/>
         <p:nvPr/>
       </p:nvGrpSpPr>
@@ -19801,7 +19862,7 @@
       </p:grpSpPr>
       <p:sp>
         <p:nvSpPr>
-          <p:cNvPr id="246" name="Google Shape;246;p30"/>
+          <p:cNvPr id="250" name="Google Shape;250;p30"/>
           <p:cNvSpPr txBox="1"/>
           <p:nvPr/>
         </p:nvSpPr>
@@ -19867,7 +19928,7 @@
       </p:sp>
       <p:sp>
         <p:nvSpPr>
-          <p:cNvPr id="247" name="Google Shape;247;p30"/>
+          <p:cNvPr id="251" name="Google Shape;251;p30"/>
           <p:cNvSpPr txBox="1"/>
           <p:nvPr/>
         </p:nvSpPr>
@@ -20301,7 +20362,7 @@
       </p:sp>
       <p:pic>
         <p:nvPicPr>
-          <p:cNvPr id="248" name="Google Shape;248;p30"/>
+          <p:cNvPr id="252" name="Google Shape;252;p30"/>
           <p:cNvPicPr preferRelativeResize="0"/>
           <p:nvPr/>
         </p:nvPicPr>
@@ -20340,7 +20401,7 @@
       </p:pic>
       <p:pic>
         <p:nvPicPr>
-          <p:cNvPr id="249" name="Google Shape;249;p30"/>
+          <p:cNvPr id="253" name="Google Shape;253;p30"/>
           <p:cNvPicPr preferRelativeResize="0"/>
           <p:nvPr/>
         </p:nvPicPr>
@@ -20379,7 +20440,7 @@
       </p:pic>
       <p:sp>
         <p:nvSpPr>
-          <p:cNvPr id="250" name="Google Shape;250;p30"/>
+          <p:cNvPr id="254" name="Google Shape;254;p30"/>
           <p:cNvSpPr/>
           <p:nvPr/>
         </p:nvSpPr>
@@ -20439,7 +20500,7 @@
   <p:cSld>
     <p:spTree>
       <p:nvGrpSpPr>
-        <p:cNvPr id="1" name="Shape 254"/>
+        <p:cNvPr id="1" name="Shape 258"/>
         <p:cNvGrpSpPr/>
         <p:nvPr/>
       </p:nvGrpSpPr>
@@ -20453,7 +20514,7 @@
       </p:grpSpPr>
       <p:sp>
         <p:nvSpPr>
-          <p:cNvPr id="255" name="Google Shape;255;p31"/>
+          <p:cNvPr id="259" name="Google Shape;259;p31"/>
           <p:cNvSpPr txBox="1"/>
           <p:nvPr/>
         </p:nvSpPr>
@@ -20519,7 +20580,7 @@
       </p:sp>
       <p:sp>
         <p:nvSpPr>
-          <p:cNvPr id="256" name="Google Shape;256;p31"/>
+          <p:cNvPr id="260" name="Google Shape;260;p31"/>
           <p:cNvSpPr txBox="1"/>
           <p:nvPr/>
         </p:nvSpPr>
@@ -20852,7 +20913,7 @@
       </p:sp>
       <p:pic>
         <p:nvPicPr>
-          <p:cNvPr id="257" name="Google Shape;257;p31"/>
+          <p:cNvPr id="261" name="Google Shape;261;p31"/>
           <p:cNvPicPr preferRelativeResize="0"/>
           <p:nvPr/>
         </p:nvPicPr>
@@ -20886,7 +20947,7 @@
       </p:pic>
       <p:pic>
         <p:nvPicPr>
-          <p:cNvPr id="258" name="Google Shape;258;p31"/>
+          <p:cNvPr id="262" name="Google Shape;262;p31"/>
           <p:cNvPicPr preferRelativeResize="0"/>
           <p:nvPr/>
         </p:nvPicPr>
@@ -20919,7 +20980,7 @@
       </p:pic>
       <p:pic>
         <p:nvPicPr>
-          <p:cNvPr id="259" name="Google Shape;259;p31"/>
+          <p:cNvPr id="263" name="Google Shape;263;p31"/>
           <p:cNvPicPr preferRelativeResize="0"/>
           <p:nvPr/>
         </p:nvPicPr>
@@ -20963,7 +21024,7 @@
   <p:cSld>
     <p:spTree>
       <p:nvGrpSpPr>
-        <p:cNvPr id="1" name="Shape 263"/>
+        <p:cNvPr id="1" name="Shape 267"/>
         <p:cNvGrpSpPr/>
         <p:nvPr/>
       </p:nvGrpSpPr>
@@ -20977,7 +21038,7 @@
       </p:grpSpPr>
       <p:sp>
         <p:nvSpPr>
-          <p:cNvPr id="264" name="Google Shape;264;p32"/>
+          <p:cNvPr id="268" name="Google Shape;268;p32"/>
           <p:cNvSpPr txBox="1"/>
           <p:nvPr/>
         </p:nvSpPr>
@@ -21043,7 +21104,7 @@
       </p:sp>
       <p:sp>
         <p:nvSpPr>
-          <p:cNvPr id="265" name="Google Shape;265;p32"/>
+          <p:cNvPr id="269" name="Google Shape;269;p32"/>
           <p:cNvSpPr txBox="1"/>
           <p:nvPr/>
         </p:nvSpPr>
@@ -21249,7 +21310,7 @@
       </p:sp>
       <p:pic>
         <p:nvPicPr>
-          <p:cNvPr id="266" name="Google Shape;266;p32"/>
+          <p:cNvPr id="270" name="Google Shape;270;p32"/>
           <p:cNvPicPr preferRelativeResize="0"/>
           <p:nvPr/>
         </p:nvPicPr>
@@ -21288,7 +21349,7 @@
       </p:pic>
       <p:pic>
         <p:nvPicPr>
-          <p:cNvPr id="267" name="Google Shape;267;p32"/>
+          <p:cNvPr id="271" name="Google Shape;271;p32"/>
           <p:cNvPicPr preferRelativeResize="0"/>
           <p:nvPr/>
         </p:nvPicPr>
@@ -21327,7 +21388,7 @@
       </p:pic>
       <p:pic>
         <p:nvPicPr>
-          <p:cNvPr id="268" name="Google Shape;268;p32"/>
+          <p:cNvPr id="272" name="Google Shape;272;p32"/>
           <p:cNvPicPr preferRelativeResize="0"/>
           <p:nvPr/>
         </p:nvPicPr>
@@ -21366,7 +21427,7 @@
       </p:pic>
       <p:pic>
         <p:nvPicPr>
-          <p:cNvPr id="269" name="Google Shape;269;p32"/>
+          <p:cNvPr id="273" name="Google Shape;273;p32"/>
           <p:cNvPicPr preferRelativeResize="0"/>
           <p:nvPr/>
         </p:nvPicPr>
@@ -21410,7 +21471,7 @@
   <p:cSld>
     <p:spTree>
       <p:nvGrpSpPr>
-        <p:cNvPr id="1" name="Shape 273"/>
+        <p:cNvPr id="1" name="Shape 277"/>
         <p:cNvGrpSpPr/>
         <p:nvPr/>
       </p:nvGrpSpPr>
@@ -21424,7 +21485,7 @@
       </p:grpSpPr>
       <p:sp>
         <p:nvSpPr>
-          <p:cNvPr id="274" name="Google Shape;274;p33"/>
+          <p:cNvPr id="278" name="Google Shape;278;p33"/>
           <p:cNvSpPr txBox="1"/>
           <p:nvPr/>
         </p:nvSpPr>
@@ -21490,7 +21551,7 @@
       </p:sp>
       <p:sp>
         <p:nvSpPr>
-          <p:cNvPr id="275" name="Google Shape;275;p33"/>
+          <p:cNvPr id="279" name="Google Shape;279;p33"/>
           <p:cNvSpPr txBox="1"/>
           <p:nvPr/>
         </p:nvSpPr>
@@ -21618,7 +21679,7 @@
       </p:sp>
       <p:sp>
         <p:nvSpPr>
-          <p:cNvPr id="276" name="Google Shape;276;p33"/>
+          <p:cNvPr id="280" name="Google Shape;280;p33"/>
           <p:cNvSpPr txBox="1"/>
           <p:nvPr/>
         </p:nvSpPr>
@@ -21727,7 +21788,7 @@
       </p:sp>
       <p:sp>
         <p:nvSpPr>
-          <p:cNvPr id="277" name="Google Shape;277;p33"/>
+          <p:cNvPr id="281" name="Google Shape;281;p33"/>
           <p:cNvSpPr txBox="1"/>
           <p:nvPr/>
         </p:nvSpPr>
@@ -21978,7 +22039,7 @@
       </p:sp>
       <p:pic>
         <p:nvPicPr>
-          <p:cNvPr id="278" name="Google Shape;278;p33"/>
+          <p:cNvPr id="282" name="Google Shape;282;p33"/>
           <p:cNvPicPr preferRelativeResize="0"/>
           <p:nvPr/>
         </p:nvPicPr>
@@ -22017,7 +22078,7 @@
       </p:pic>
       <p:pic>
         <p:nvPicPr>
-          <p:cNvPr id="279" name="Google Shape;279;p33"/>
+          <p:cNvPr id="283" name="Google Shape;283;p33"/>
           <p:cNvPicPr preferRelativeResize="0"/>
           <p:nvPr/>
         </p:nvPicPr>
@@ -22056,7 +22117,7 @@
       </p:pic>
       <p:sp>
         <p:nvSpPr>
-          <p:cNvPr id="280" name="Google Shape;280;p33"/>
+          <p:cNvPr id="284" name="Google Shape;284;p33"/>
           <p:cNvSpPr txBox="1"/>
           <p:nvPr/>
         </p:nvSpPr>
@@ -25205,7 +25266,7 @@
             <a:tbl>
               <a:tblPr>
                 <a:noFill/>
-                <a:tableStyleId>{16D51693-7B3C-4ABB-9D6A-77DB2755E487}</a:tableStyleId>
+                <a:tableStyleId>{0129E4E2-9467-4148-9E73-478B83BE9ACA}</a:tableStyleId>
               </a:tblPr>
               <a:tblGrid>
                 <a:gridCol w="1825450">
@@ -29662,7 +29723,7 @@
             <a:tbl>
               <a:tblPr>
                 <a:noFill/>
-                <a:tableStyleId>{16D51693-7B3C-4ABB-9D6A-77DB2755E487}</a:tableStyleId>
+                <a:tableStyleId>{0129E4E2-9467-4148-9E73-478B83BE9ACA}</a:tableStyleId>
               </a:tblPr>
               <a:tblGrid>
                 <a:gridCol w="2009775">
@@ -33233,7 +33294,7 @@
   <p:cSld>
     <p:spTree>
       <p:nvGrpSpPr>
-        <p:cNvPr id="1" name="Shape 284"/>
+        <p:cNvPr id="1" name="Shape 288"/>
         <p:cNvGrpSpPr/>
         <p:nvPr/>
       </p:nvGrpSpPr>
@@ -33247,7 +33308,7 @@
       </p:grpSpPr>
       <p:pic>
         <p:nvPicPr>
-          <p:cNvPr id="285" name="Google Shape;285;p34"/>
+          <p:cNvPr id="289" name="Google Shape;289;p34"/>
           <p:cNvPicPr preferRelativeResize="0"/>
           <p:nvPr/>
         </p:nvPicPr>
@@ -33279,7 +33340,7 @@
       </p:pic>
       <p:sp>
         <p:nvSpPr>
-          <p:cNvPr id="286" name="Google Shape;286;p34"/>
+          <p:cNvPr id="290" name="Google Shape;290;p34"/>
           <p:cNvSpPr txBox="1"/>
           <p:nvPr/>
         </p:nvSpPr>
@@ -33345,7 +33406,7 @@
       </p:sp>
       <p:sp>
         <p:nvSpPr>
-          <p:cNvPr id="287" name="Google Shape;287;p34"/>
+          <p:cNvPr id="291" name="Google Shape;291;p34"/>
           <p:cNvSpPr txBox="1"/>
           <p:nvPr/>
         </p:nvSpPr>
@@ -33775,7 +33836,7 @@
       </p:sp>
       <p:pic>
         <p:nvPicPr>
-          <p:cNvPr id="288" name="Google Shape;288;p34"/>
+          <p:cNvPr id="292" name="Google Shape;292;p34"/>
           <p:cNvPicPr preferRelativeResize="0"/>
           <p:nvPr/>
         </p:nvPicPr>
@@ -33807,7 +33868,7 @@
       </p:pic>
       <p:sp>
         <p:nvSpPr>
-          <p:cNvPr id="289" name="Google Shape;289;p34"/>
+          <p:cNvPr id="293" name="Google Shape;293;p34"/>
           <p:cNvSpPr txBox="1"/>
           <p:nvPr/>
         </p:nvSpPr>
@@ -33886,7 +33947,7 @@
       </p:sp>
       <p:sp>
         <p:nvSpPr>
-          <p:cNvPr id="290" name="Google Shape;290;p34"/>
+          <p:cNvPr id="294" name="Google Shape;294;p34"/>
           <p:cNvSpPr txBox="1"/>
           <p:nvPr/>
         </p:nvSpPr>
@@ -33963,7 +34024,7 @@
   <p:cSld>
     <p:spTree>
       <p:nvGrpSpPr>
-        <p:cNvPr id="1" name="Shape 294"/>
+        <p:cNvPr id="1" name="Shape 298"/>
         <p:cNvGrpSpPr/>
         <p:nvPr/>
       </p:nvGrpSpPr>
@@ -33977,7 +34038,7 @@
       </p:grpSpPr>
       <p:sp>
         <p:nvSpPr>
-          <p:cNvPr id="295" name="Google Shape;295;p35"/>
+          <p:cNvPr id="299" name="Google Shape;299;p35"/>
           <p:cNvSpPr txBox="1"/>
           <p:nvPr/>
         </p:nvSpPr>
@@ -34760,7 +34821,31 @@
                 <a:cs typeface="Calibri"/>
                 <a:sym typeface="Calibri"/>
               </a:rPr>
-              <a:t>Magistral Small 24B params open-source based on Mistral Small 3.1, 128K context (40k effective); It is very fast on Le Chat. But it is being outperformed by Qwen3-32B and Qwen3-30B-A3B @</a:t>
+              <a:t>Magistral Small 24B params open-source based on Mistral Small 3.1, 128K context (40k effective); </a:t>
+            </a:r>
+            <a:r>
+              <a:rPr lang="en" sz="1200" b="1">
+                <a:solidFill>
+                  <a:srgbClr val="FF0000"/>
+                </a:solidFill>
+                <a:latin typeface="Calibri"/>
+                <a:ea typeface="Calibri"/>
+                <a:cs typeface="Calibri"/>
+                <a:sym typeface="Calibri"/>
+              </a:rPr>
+              <a:t>It is very fast on Le Chat</a:t>
+            </a:r>
+            <a:r>
+              <a:rPr lang="en" sz="1200">
+                <a:solidFill>
+                  <a:schemeClr val="dk1"/>
+                </a:solidFill>
+                <a:latin typeface="Calibri"/>
+                <a:ea typeface="Calibri"/>
+                <a:cs typeface="Calibri"/>
+                <a:sym typeface="Calibri"/>
+              </a:rPr>
+              <a:t>. But it is being outperformed by Qwen3-32B and Qwen3-30B-A3B @</a:t>
             </a:r>
             <a:endParaRPr sz="1200">
               <a:solidFill>
